--- a/_posts/ithome/2021/11.SVM/11.SVM.pptx
+++ b/_posts/ithome/2021/11.SVM/11.SVM.pptx
@@ -8,9 +8,10 @@
     <p:sldId id="256" r:id="rId2"/>
     <p:sldId id="257" r:id="rId3"/>
     <p:sldId id="258" r:id="rId4"/>
-    <p:sldId id="259" r:id="rId5"/>
-    <p:sldId id="260" r:id="rId6"/>
+    <p:sldId id="260" r:id="rId5"/>
+    <p:sldId id="259" r:id="rId6"/>
     <p:sldId id="261" r:id="rId7"/>
+    <p:sldId id="262" r:id="rId8"/>
   </p:sldIdLst>
   <p:sldSz cx="12192000" cy="6858000"/>
   <p:notesSz cx="6858000" cy="9144000"/>
@@ -109,6 +110,11 @@
       </a:defRPr>
     </a:lvl9pPr>
   </p:defaultTextStyle>
+  <p:extLst>
+    <p:ext uri="{EFAFB233-063F-42B5-8137-9DF3F51BA10A}">
+      <p15:sldGuideLst xmlns:p15="http://schemas.microsoft.com/office/powerpoint/2012/main"/>
+    </p:ext>
+  </p:extLst>
 </p:presentation>
 </file>
 
@@ -261,7 +267,7 @@
           <a:p>
             <a:fld id="{5B4E1A3B-73A7-6345-9B5E-0BAD07DF46E6}" type="datetimeFigureOut">
               <a:rPr lang="en-TW" smtClean="0"/>
-              <a:t>2021/9/11</a:t>
+              <a:t>2021/9/23</a:t>
             </a:fld>
             <a:endParaRPr lang="en-TW"/>
           </a:p>
@@ -461,7 +467,7 @@
           <a:p>
             <a:fld id="{5B4E1A3B-73A7-6345-9B5E-0BAD07DF46E6}" type="datetimeFigureOut">
               <a:rPr lang="en-TW" smtClean="0"/>
-              <a:t>2021/9/11</a:t>
+              <a:t>2021/9/23</a:t>
             </a:fld>
             <a:endParaRPr lang="en-TW"/>
           </a:p>
@@ -671,7 +677,7 @@
           <a:p>
             <a:fld id="{5B4E1A3B-73A7-6345-9B5E-0BAD07DF46E6}" type="datetimeFigureOut">
               <a:rPr lang="en-TW" smtClean="0"/>
-              <a:t>2021/9/11</a:t>
+              <a:t>2021/9/23</a:t>
             </a:fld>
             <a:endParaRPr lang="en-TW"/>
           </a:p>
@@ -871,7 +877,7 @@
           <a:p>
             <a:fld id="{5B4E1A3B-73A7-6345-9B5E-0BAD07DF46E6}" type="datetimeFigureOut">
               <a:rPr lang="en-TW" smtClean="0"/>
-              <a:t>2021/9/11</a:t>
+              <a:t>2021/9/23</a:t>
             </a:fld>
             <a:endParaRPr lang="en-TW"/>
           </a:p>
@@ -1147,7 +1153,7 @@
           <a:p>
             <a:fld id="{5B4E1A3B-73A7-6345-9B5E-0BAD07DF46E6}" type="datetimeFigureOut">
               <a:rPr lang="en-TW" smtClean="0"/>
-              <a:t>2021/9/11</a:t>
+              <a:t>2021/9/23</a:t>
             </a:fld>
             <a:endParaRPr lang="en-TW"/>
           </a:p>
@@ -1415,7 +1421,7 @@
           <a:p>
             <a:fld id="{5B4E1A3B-73A7-6345-9B5E-0BAD07DF46E6}" type="datetimeFigureOut">
               <a:rPr lang="en-TW" smtClean="0"/>
-              <a:t>2021/9/11</a:t>
+              <a:t>2021/9/23</a:t>
             </a:fld>
             <a:endParaRPr lang="en-TW"/>
           </a:p>
@@ -1830,7 +1836,7 @@
           <a:p>
             <a:fld id="{5B4E1A3B-73A7-6345-9B5E-0BAD07DF46E6}" type="datetimeFigureOut">
               <a:rPr lang="en-TW" smtClean="0"/>
-              <a:t>2021/9/11</a:t>
+              <a:t>2021/9/23</a:t>
             </a:fld>
             <a:endParaRPr lang="en-TW"/>
           </a:p>
@@ -1972,7 +1978,7 @@
           <a:p>
             <a:fld id="{5B4E1A3B-73A7-6345-9B5E-0BAD07DF46E6}" type="datetimeFigureOut">
               <a:rPr lang="en-TW" smtClean="0"/>
-              <a:t>2021/9/11</a:t>
+              <a:t>2021/9/23</a:t>
             </a:fld>
             <a:endParaRPr lang="en-TW"/>
           </a:p>
@@ -2085,7 +2091,7 @@
           <a:p>
             <a:fld id="{5B4E1A3B-73A7-6345-9B5E-0BAD07DF46E6}" type="datetimeFigureOut">
               <a:rPr lang="en-TW" smtClean="0"/>
-              <a:t>2021/9/11</a:t>
+              <a:t>2021/9/23</a:t>
             </a:fld>
             <a:endParaRPr lang="en-TW"/>
           </a:p>
@@ -2398,7 +2404,7 @@
           <a:p>
             <a:fld id="{5B4E1A3B-73A7-6345-9B5E-0BAD07DF46E6}" type="datetimeFigureOut">
               <a:rPr lang="en-TW" smtClean="0"/>
-              <a:t>2021/9/11</a:t>
+              <a:t>2021/9/23</a:t>
             </a:fld>
             <a:endParaRPr lang="en-TW"/>
           </a:p>
@@ -2687,7 +2693,7 @@
           <a:p>
             <a:fld id="{5B4E1A3B-73A7-6345-9B5E-0BAD07DF46E6}" type="datetimeFigureOut">
               <a:rPr lang="en-TW" smtClean="0"/>
-              <a:t>2021/9/11</a:t>
+              <a:t>2021/9/23</a:t>
             </a:fld>
             <a:endParaRPr lang="en-TW"/>
           </a:p>
@@ -2930,7 +2936,7 @@
           <a:p>
             <a:fld id="{5B4E1A3B-73A7-6345-9B5E-0BAD07DF46E6}" type="datetimeFigureOut">
               <a:rPr lang="en-TW" smtClean="0"/>
-              <a:t>2021/9/11</a:t>
+              <a:t>2021/9/23</a:t>
             </a:fld>
             <a:endParaRPr lang="en-TW"/>
           </a:p>
@@ -4780,6 +4786,553 @@
           </a:p>
         </p:txBody>
       </p:sp>
+      <p:grpSp>
+        <p:nvGrpSpPr>
+          <p:cNvPr id="64" name="Group 63">
+            <a:extLst>
+              <a:ext uri="{FF2B5EF4-FFF2-40B4-BE49-F238E27FC236}">
+                <a16:creationId xmlns:a16="http://schemas.microsoft.com/office/drawing/2014/main" id="{93A30664-6BBF-8340-B75D-D217DD933A57}"/>
+              </a:ext>
+            </a:extLst>
+          </p:cNvPr>
+          <p:cNvGrpSpPr>
+            <a:grpSpLocks noChangeAspect="1"/>
+          </p:cNvGrpSpPr>
+          <p:nvPr/>
+        </p:nvGrpSpPr>
+        <p:grpSpPr>
+          <a:xfrm>
+            <a:off x="2486649" y="4804731"/>
+            <a:ext cx="6998283" cy="1275458"/>
+            <a:chOff x="3360126" y="3971848"/>
+            <a:chExt cx="5764444" cy="1050587"/>
+          </a:xfrm>
+        </p:grpSpPr>
+        <p:grpSp>
+          <p:nvGrpSpPr>
+            <p:cNvPr id="65" name="Group 64">
+              <a:extLst>
+                <a:ext uri="{FF2B5EF4-FFF2-40B4-BE49-F238E27FC236}">
+                  <a16:creationId xmlns:a16="http://schemas.microsoft.com/office/drawing/2014/main" id="{7B0056E8-12C8-5D4C-BC59-14A328E24749}"/>
+                </a:ext>
+              </a:extLst>
+            </p:cNvPr>
+            <p:cNvGrpSpPr/>
+            <p:nvPr/>
+          </p:nvGrpSpPr>
+          <p:grpSpPr>
+            <a:xfrm>
+              <a:off x="3360126" y="4324980"/>
+              <a:ext cx="2735874" cy="328935"/>
+              <a:chOff x="7237110" y="4273903"/>
+              <a:chExt cx="2735874" cy="328935"/>
+            </a:xfrm>
+          </p:grpSpPr>
+          <p:sp>
+            <p:nvSpPr>
+              <p:cNvPr id="70" name="Intelligent Information Retrieval Laboratory">
+                <a:extLst>
+                  <a:ext uri="{FF2B5EF4-FFF2-40B4-BE49-F238E27FC236}">
+                    <a16:creationId xmlns:a16="http://schemas.microsoft.com/office/drawing/2014/main" id="{9A84EBB3-A4E1-5F47-9772-F7FD1DF03CD3}"/>
+                  </a:ext>
+                </a:extLst>
+              </p:cNvPr>
+              <p:cNvSpPr txBox="1"/>
+              <p:nvPr/>
+            </p:nvSpPr>
+            <p:spPr>
+              <a:xfrm>
+                <a:off x="7237110" y="4273903"/>
+                <a:ext cx="2590800" cy="328935"/>
+              </a:xfrm>
+              <a:prstGeom prst="rect">
+                <a:avLst/>
+              </a:prstGeom>
+              <a:noFill/>
+              <a:ln w="12700" cap="flat">
+                <a:noFill/>
+                <a:miter lim="400000"/>
+              </a:ln>
+              <a:effectLst/>
+              <a:extLst>
+                <a:ext uri="{C572A759-6A51-4108-AA02-DFA0A04FC94B}">
+                  <ma14:wrappingTextBoxFlag xmlns="" xmlns:m="http://schemas.openxmlformats.org/officeDocument/2006/math" xmlns:a14="http://schemas.microsoft.com/office/drawing/2010/main" xmlns:ma14="http://schemas.microsoft.com/office/mac/drawingml/2011/main" val="1"/>
+                </a:ext>
+              </a:extLst>
+            </p:spPr>
+            <p:txBody>
+              <a:bodyPr wrap="square" lIns="71437" tIns="71437" rIns="71437" bIns="71437" numCol="1" anchor="ctr">
+                <a:spAutoFit/>
+              </a:bodyPr>
+              <a:lstStyle>
+                <a:lvl1pPr algn="l" defTabSz="821531">
+                  <a:defRPr sz="2400" b="0">
+                    <a:solidFill>
+                      <a:srgbClr val="FFFFFF"/>
+                    </a:solidFill>
+                    <a:latin typeface="Helvetica Neue Bold Condensed"/>
+                    <a:ea typeface="Helvetica Neue Bold Condensed"/>
+                    <a:cs typeface="Helvetica Neue Bold Condensed"/>
+                    <a:sym typeface="Helvetica Neue Bold Condensed"/>
+                  </a:defRPr>
+                </a:lvl1pPr>
+              </a:lstStyle>
+              <a:p>
+                <a:r>
+                  <a:rPr kumimoji="0" lang="zh-TW" altLang="en-US" sz="1050" b="0" i="0" u="none" strike="noStrike" cap="none" spc="0" normalizeH="0" baseline="0" dirty="0">
+                    <a:ln>
+                      <a:noFill/>
+                    </a:ln>
+                    <a:solidFill>
+                      <a:schemeClr val="tx1">
+                        <a:alpha val="15000"/>
+                      </a:schemeClr>
+                    </a:solidFill>
+                    <a:effectLst/>
+                    <a:uFillTx/>
+                    <a:latin typeface="Helvetica Neue Bold Condensed"/>
+                    <a:ea typeface="Helvetica Neue Bold Condensed"/>
+                    <a:cs typeface="Helvetica Neue Bold Condensed"/>
+                    <a:sym typeface="Helvetica Neue Bold Condensed"/>
+                  </a:rPr>
+                  <a:t>第</a:t>
+                </a:r>
+                <a:r>
+                  <a:rPr kumimoji="0" lang="en-US" altLang="zh-TW" sz="1050" b="0" i="0" u="none" strike="noStrike" cap="none" spc="0" normalizeH="0" baseline="0" dirty="0">
+                    <a:ln>
+                      <a:noFill/>
+                    </a:ln>
+                    <a:solidFill>
+                      <a:schemeClr val="tx1">
+                        <a:alpha val="15000"/>
+                      </a:schemeClr>
+                    </a:solidFill>
+                    <a:effectLst/>
+                    <a:uFillTx/>
+                    <a:latin typeface="Helvetica Neue Bold Condensed"/>
+                    <a:ea typeface="Helvetica Neue Bold Condensed"/>
+                    <a:cs typeface="Helvetica Neue Bold Condensed"/>
+                    <a:sym typeface="Helvetica Neue Bold Condensed"/>
+                  </a:rPr>
+                  <a:t>13</a:t>
+                </a:r>
+                <a:r>
+                  <a:rPr kumimoji="0" lang="zh-TW" altLang="en-US" sz="1050" b="0" i="0" u="none" strike="noStrike" cap="none" spc="0" normalizeH="0" baseline="0" dirty="0">
+                    <a:ln>
+                      <a:noFill/>
+                    </a:ln>
+                    <a:solidFill>
+                      <a:schemeClr val="tx1">
+                        <a:alpha val="15000"/>
+                      </a:schemeClr>
+                    </a:solidFill>
+                    <a:effectLst/>
+                    <a:uFillTx/>
+                    <a:latin typeface="Helvetica Neue Bold Condensed"/>
+                    <a:ea typeface="Helvetica Neue Bold Condensed"/>
+                    <a:cs typeface="Helvetica Neue Bold Condensed"/>
+                    <a:sym typeface="Helvetica Neue Bold Condensed"/>
+                  </a:rPr>
+                  <a:t>屆 </a:t>
+                </a:r>
+                <a:r>
+                  <a:rPr kumimoji="0" lang="en-US" sz="1200" b="0" i="0" u="none" strike="noStrike" cap="none" spc="0" normalizeH="0" baseline="0" dirty="0">
+                    <a:ln>
+                      <a:noFill/>
+                    </a:ln>
+                    <a:solidFill>
+                      <a:schemeClr val="tx1">
+                        <a:alpha val="15000"/>
+                      </a:schemeClr>
+                    </a:solidFill>
+                    <a:effectLst/>
+                    <a:uFillTx/>
+                    <a:latin typeface="Helvetica Neue Bold Condensed"/>
+                    <a:ea typeface="Helvetica Neue Bold Condensed"/>
+                    <a:cs typeface="Helvetica Neue Bold Condensed"/>
+                    <a:sym typeface="Helvetica Neue Bold Condensed"/>
+                  </a:rPr>
+                  <a:t>iT</a:t>
+                </a:r>
+                <a:r>
+                  <a:rPr kumimoji="0" lang="zh-TW" altLang="en-US" sz="1100" b="0" i="0" u="none" strike="noStrike" cap="none" spc="0" normalizeH="0" baseline="0" dirty="0">
+                    <a:ln>
+                      <a:noFill/>
+                    </a:ln>
+                    <a:solidFill>
+                      <a:schemeClr val="tx1">
+                        <a:alpha val="15000"/>
+                      </a:schemeClr>
+                    </a:solidFill>
+                    <a:effectLst/>
+                    <a:uFillTx/>
+                    <a:latin typeface="Helvetica Neue Bold Condensed"/>
+                    <a:ea typeface="Helvetica Neue Bold Condensed"/>
+                    <a:cs typeface="Helvetica Neue Bold Condensed"/>
+                    <a:sym typeface="Helvetica Neue Bold Condensed"/>
+                  </a:rPr>
+                  <a:t>邦</a:t>
+                </a:r>
+                <a:r>
+                  <a:rPr kumimoji="0" lang="zh-TW" altLang="en-US" sz="1000" b="0" i="0" u="none" strike="noStrike" cap="none" spc="0" normalizeH="0" baseline="0" dirty="0">
+                    <a:ln>
+                      <a:noFill/>
+                    </a:ln>
+                    <a:solidFill>
+                      <a:schemeClr val="tx1">
+                        <a:alpha val="15000"/>
+                      </a:schemeClr>
+                    </a:solidFill>
+                    <a:effectLst/>
+                    <a:uFillTx/>
+                    <a:latin typeface="Helvetica Neue Bold Condensed"/>
+                    <a:ea typeface="Helvetica Neue Bold Condensed"/>
+                    <a:cs typeface="Helvetica Neue Bold Condensed"/>
+                    <a:sym typeface="Helvetica Neue Bold Condensed"/>
+                  </a:rPr>
+                  <a:t>幫忙</a:t>
+                </a:r>
+                <a:r>
+                  <a:rPr kumimoji="0" lang="zh-TW" altLang="en-US" sz="1100" b="0" i="0" u="none" strike="noStrike" cap="none" spc="0" normalizeH="0" baseline="0" dirty="0">
+                    <a:ln>
+                      <a:noFill/>
+                    </a:ln>
+                    <a:solidFill>
+                      <a:schemeClr val="tx1">
+                        <a:alpha val="15000"/>
+                      </a:schemeClr>
+                    </a:solidFill>
+                    <a:effectLst/>
+                    <a:uFillTx/>
+                    <a:latin typeface="Helvetica Neue Bold Condensed"/>
+                    <a:ea typeface="Helvetica Neue Bold Condensed"/>
+                    <a:cs typeface="Helvetica Neue Bold Condensed"/>
+                    <a:sym typeface="Helvetica Neue Bold Condensed"/>
+                  </a:rPr>
+                  <a:t> 鐵人賽</a:t>
+                </a:r>
+                <a:endParaRPr sz="1100" dirty="0">
+                  <a:solidFill>
+                    <a:schemeClr val="tx1">
+                      <a:alpha val="15000"/>
+                    </a:schemeClr>
+                  </a:solidFill>
+                </a:endParaRPr>
+              </a:p>
+            </p:txBody>
+          </p:sp>
+          <p:sp>
+            <p:nvSpPr>
+              <p:cNvPr id="71" name="Intelligent Information Retrieval Laboratory">
+                <a:extLst>
+                  <a:ext uri="{FF2B5EF4-FFF2-40B4-BE49-F238E27FC236}">
+                    <a16:creationId xmlns:a16="http://schemas.microsoft.com/office/drawing/2014/main" id="{BED0E6AC-F47B-7741-870E-5D895A053FB0}"/>
+                  </a:ext>
+                </a:extLst>
+              </p:cNvPr>
+              <p:cNvSpPr txBox="1"/>
+              <p:nvPr/>
+            </p:nvSpPr>
+            <p:spPr>
+              <a:xfrm>
+                <a:off x="8753784" y="4289292"/>
+                <a:ext cx="1219200" cy="313546"/>
+              </a:xfrm>
+              <a:prstGeom prst="rect">
+                <a:avLst/>
+              </a:prstGeom>
+              <a:noFill/>
+              <a:ln w="12700" cap="flat">
+                <a:noFill/>
+                <a:miter lim="400000"/>
+              </a:ln>
+              <a:effectLst/>
+              <a:extLst>
+                <a:ext uri="{C572A759-6A51-4108-AA02-DFA0A04FC94B}">
+                  <ma14:wrappingTextBoxFlag xmlns="" xmlns:m="http://schemas.openxmlformats.org/officeDocument/2006/math" xmlns:a14="http://schemas.microsoft.com/office/drawing/2010/main" xmlns:ma14="http://schemas.microsoft.com/office/mac/drawingml/2011/main" val="1"/>
+                </a:ext>
+              </a:extLst>
+            </p:spPr>
+            <p:txBody>
+              <a:bodyPr wrap="square" lIns="71437" tIns="71437" rIns="71437" bIns="71437" numCol="1" anchor="ctr">
+                <a:spAutoFit/>
+              </a:bodyPr>
+              <a:lstStyle>
+                <a:lvl1pPr algn="l" defTabSz="821531">
+                  <a:defRPr sz="2400" b="0">
+                    <a:solidFill>
+                      <a:srgbClr val="FFFFFF"/>
+                    </a:solidFill>
+                    <a:latin typeface="Helvetica Neue Bold Condensed"/>
+                    <a:ea typeface="Helvetica Neue Bold Condensed"/>
+                    <a:cs typeface="Helvetica Neue Bold Condensed"/>
+                    <a:sym typeface="Helvetica Neue Bold Condensed"/>
+                  </a:defRPr>
+                </a:lvl1pPr>
+              </a:lstStyle>
+              <a:p>
+                <a:r>
+                  <a:rPr kumimoji="0" lang="en-US" altLang="zh-TW" sz="1050" b="0" i="0" u="none" strike="noStrike" cap="none" spc="0" normalizeH="0" baseline="0" dirty="0">
+                    <a:ln>
+                      <a:noFill/>
+                    </a:ln>
+                    <a:solidFill>
+                      <a:schemeClr val="tx1">
+                        <a:alpha val="15000"/>
+                      </a:schemeClr>
+                    </a:solidFill>
+                    <a:effectLst/>
+                    <a:uFillTx/>
+                    <a:latin typeface="Helvetica Neue Bold Condensed"/>
+                    <a:ea typeface="Helvetica Neue Bold Condensed"/>
+                    <a:cs typeface="Helvetica Neue Bold Condensed"/>
+                    <a:sym typeface="Helvetica Neue Bold Condensed"/>
+                  </a:rPr>
+                  <a:t>AI &amp; Data </a:t>
+                </a:r>
+                <a:r>
+                  <a:rPr kumimoji="0" lang="zh-TW" altLang="en-US" sz="1050" b="0" i="0" u="none" strike="noStrike" cap="none" spc="0" normalizeH="0" baseline="0" dirty="0">
+                    <a:ln>
+                      <a:noFill/>
+                    </a:ln>
+                    <a:solidFill>
+                      <a:schemeClr val="tx1">
+                        <a:alpha val="15000"/>
+                      </a:schemeClr>
+                    </a:solidFill>
+                    <a:effectLst/>
+                    <a:uFillTx/>
+                    <a:latin typeface="Helvetica Neue Bold Condensed"/>
+                    <a:ea typeface="Helvetica Neue Bold Condensed"/>
+                    <a:cs typeface="Helvetica Neue Bold Condensed"/>
+                    <a:sym typeface="Helvetica Neue Bold Condensed"/>
+                  </a:rPr>
+                  <a:t>組</a:t>
+                </a:r>
+                <a:endParaRPr sz="1100" dirty="0">
+                  <a:solidFill>
+                    <a:schemeClr val="tx1">
+                      <a:alpha val="15000"/>
+                    </a:schemeClr>
+                  </a:solidFill>
+                </a:endParaRPr>
+              </a:p>
+            </p:txBody>
+          </p:sp>
+        </p:grpSp>
+        <p:grpSp>
+          <p:nvGrpSpPr>
+            <p:cNvPr id="66" name="Group 65">
+              <a:extLst>
+                <a:ext uri="{FF2B5EF4-FFF2-40B4-BE49-F238E27FC236}">
+                  <a16:creationId xmlns:a16="http://schemas.microsoft.com/office/drawing/2014/main" id="{86FBABEE-758B-A84C-81B8-10E6DEF7E378}"/>
+                </a:ext>
+              </a:extLst>
+            </p:cNvPr>
+            <p:cNvGrpSpPr/>
+            <p:nvPr/>
+          </p:nvGrpSpPr>
+          <p:grpSpPr>
+            <a:xfrm>
+              <a:off x="7247835" y="3971848"/>
+              <a:ext cx="1876735" cy="1050587"/>
+              <a:chOff x="3891792" y="3940042"/>
+              <a:chExt cx="1876735" cy="1050587"/>
+            </a:xfrm>
+          </p:grpSpPr>
+          <p:pic>
+            <p:nvPicPr>
+              <p:cNvPr id="67" name="Picture 66">
+                <a:extLst>
+                  <a:ext uri="{FF2B5EF4-FFF2-40B4-BE49-F238E27FC236}">
+                    <a16:creationId xmlns:a16="http://schemas.microsoft.com/office/drawing/2014/main" id="{7511698D-31F1-D347-B651-D430D880A2CC}"/>
+                  </a:ext>
+                </a:extLst>
+              </p:cNvPr>
+              <p:cNvPicPr>
+                <a:picLocks noChangeAspect="1" noChangeArrowheads="1"/>
+              </p:cNvPicPr>
+              <p:nvPr/>
+            </p:nvPicPr>
+            <p:blipFill>
+              <a:blip r:embed="rId2">
+                <a:duotone>
+                  <a:prstClr val="black"/>
+                  <a:schemeClr val="tx1">
+                    <a:tint val="45000"/>
+                    <a:satMod val="400000"/>
+                  </a:schemeClr>
+                </a:duotone>
+                <a:alphaModFix amt="20000"/>
+              </a:blip>
+              <a:srcRect/>
+              <a:stretch/>
+            </p:blipFill>
+            <p:spPr bwMode="auto">
+              <a:xfrm>
+                <a:off x="4489805" y="3940042"/>
+                <a:ext cx="1050587" cy="1050587"/>
+              </a:xfrm>
+              <a:prstGeom prst="rect">
+                <a:avLst/>
+              </a:prstGeom>
+              <a:noFill/>
+              <a:extLst>
+                <a:ext uri="{909E8E84-426E-40DD-AFC4-6F175D3DCCD1}">
+                  <a14:hiddenFill xmlns:a14="http://schemas.microsoft.com/office/drawing/2010/main">
+                    <a:solidFill>
+                      <a:srgbClr val="FFFFFF"/>
+                    </a:solidFill>
+                  </a14:hiddenFill>
+                </a:ext>
+              </a:extLst>
+            </p:spPr>
+          </p:pic>
+          <p:pic>
+            <p:nvPicPr>
+              <p:cNvPr id="68" name="Picture 4" descr="Youtube logo | Logok">
+                <a:extLst>
+                  <a:ext uri="{FF2B5EF4-FFF2-40B4-BE49-F238E27FC236}">
+                    <a16:creationId xmlns:a16="http://schemas.microsoft.com/office/drawing/2014/main" id="{8A98CFA8-70D8-B84D-B037-8339EF46B902}"/>
+                  </a:ext>
+                </a:extLst>
+              </p:cNvPr>
+              <p:cNvPicPr>
+                <a:picLocks noChangeAspect="1" noChangeArrowheads="1"/>
+              </p:cNvPicPr>
+              <p:nvPr/>
+            </p:nvPicPr>
+            <p:blipFill>
+              <a:blip r:embed="rId3">
+                <a:alphaModFix amt="20000"/>
+                <a:extLst>
+                  <a:ext uri="{28A0092B-C50C-407E-A947-70E740481C1C}">
+                    <a14:useLocalDpi xmlns:a14="http://schemas.microsoft.com/office/drawing/2010/main" val="0"/>
+                  </a:ext>
+                </a:extLst>
+              </a:blip>
+              <a:srcRect/>
+              <a:stretch>
+                <a:fillRect/>
+              </a:stretch>
+            </p:blipFill>
+            <p:spPr bwMode="auto">
+              <a:xfrm>
+                <a:off x="3891792" y="4187926"/>
+                <a:ext cx="739756" cy="554817"/>
+              </a:xfrm>
+              <a:prstGeom prst="rect">
+                <a:avLst/>
+              </a:prstGeom>
+              <a:noFill/>
+              <a:extLst>
+                <a:ext uri="{909E8E84-426E-40DD-AFC4-6F175D3DCCD1}">
+                  <a14:hiddenFill xmlns:a14="http://schemas.microsoft.com/office/drawing/2010/main">
+                    <a:solidFill>
+                      <a:srgbClr val="FFFFFF"/>
+                    </a:solidFill>
+                  </a14:hiddenFill>
+                </a:ext>
+              </a:extLst>
+            </p:spPr>
+          </p:pic>
+          <p:sp>
+            <p:nvSpPr>
+              <p:cNvPr id="69" name="Intelligent Information Retrieval Laboratory">
+                <a:extLst>
+                  <a:ext uri="{FF2B5EF4-FFF2-40B4-BE49-F238E27FC236}">
+                    <a16:creationId xmlns:a16="http://schemas.microsoft.com/office/drawing/2014/main" id="{4D53363A-BB05-FB45-B8CF-A233A62595B9}"/>
+                  </a:ext>
+                </a:extLst>
+              </p:cNvPr>
+              <p:cNvSpPr txBox="1"/>
+              <p:nvPr/>
+            </p:nvSpPr>
+            <p:spPr>
+              <a:xfrm>
+                <a:off x="4549327" y="4308601"/>
+                <a:ext cx="1219200" cy="328935"/>
+              </a:xfrm>
+              <a:prstGeom prst="rect">
+                <a:avLst/>
+              </a:prstGeom>
+              <a:noFill/>
+              <a:ln w="12700" cap="flat">
+                <a:noFill/>
+                <a:miter lim="400000"/>
+              </a:ln>
+              <a:effectLst/>
+              <a:extLst>
+                <a:ext uri="{C572A759-6A51-4108-AA02-DFA0A04FC94B}">
+                  <ma14:wrappingTextBoxFlag xmlns="" xmlns:m="http://schemas.openxmlformats.org/officeDocument/2006/math" xmlns:a14="http://schemas.microsoft.com/office/drawing/2010/main" xmlns:ma14="http://schemas.microsoft.com/office/mac/drawingml/2011/main" val="1"/>
+                </a:ext>
+              </a:extLst>
+            </p:spPr>
+            <p:txBody>
+              <a:bodyPr wrap="square" lIns="71437" tIns="71437" rIns="71437" bIns="71437" numCol="1" anchor="ctr">
+                <a:spAutoFit/>
+              </a:bodyPr>
+              <a:lstStyle>
+                <a:lvl1pPr algn="l" defTabSz="821531">
+                  <a:defRPr sz="2400" b="0">
+                    <a:solidFill>
+                      <a:srgbClr val="FFFFFF"/>
+                    </a:solidFill>
+                    <a:latin typeface="Helvetica Neue Bold Condensed"/>
+                    <a:ea typeface="Helvetica Neue Bold Condensed"/>
+                    <a:cs typeface="Helvetica Neue Bold Condensed"/>
+                    <a:sym typeface="Helvetica Neue Bold Condensed"/>
+                  </a:defRPr>
+                </a:lvl1pPr>
+              </a:lstStyle>
+              <a:p>
+                <a:r>
+                  <a:rPr kumimoji="0" lang="en-US" altLang="zh-TW" sz="1200" b="0" i="0" u="none" strike="noStrike" cap="none" spc="0" normalizeH="0" baseline="0" dirty="0">
+                    <a:ln>
+                      <a:noFill/>
+                    </a:ln>
+                    <a:solidFill>
+                      <a:schemeClr val="tx1">
+                        <a:alpha val="15000"/>
+                      </a:schemeClr>
+                    </a:solidFill>
+                    <a:effectLst/>
+                    <a:uFillTx/>
+                    <a:latin typeface="Helvetica Neue Bold Condensed"/>
+                    <a:ea typeface="Helvetica Neue Bold Condensed"/>
+                    <a:cs typeface="Helvetica Neue Bold Condensed"/>
+                    <a:sym typeface="Helvetica Neue Bold Condensed"/>
+                  </a:rPr>
+                  <a:t>10</a:t>
+                </a:r>
+                <a:r>
+                  <a:rPr kumimoji="0" lang="zh-TW" altLang="en-US" sz="1200" b="0" i="0" u="none" strike="noStrike" cap="none" spc="0" normalizeH="0" baseline="0" dirty="0">
+                    <a:ln>
+                      <a:noFill/>
+                    </a:ln>
+                    <a:solidFill>
+                      <a:schemeClr val="tx1">
+                        <a:alpha val="15000"/>
+                      </a:schemeClr>
+                    </a:solidFill>
+                    <a:effectLst/>
+                    <a:uFillTx/>
+                    <a:sym typeface="Helvetica Neue Bold Condensed"/>
+                  </a:rPr>
+                  <a:t>程式中</a:t>
+                </a:r>
+                <a:endParaRPr sz="1400" dirty="0">
+                  <a:solidFill>
+                    <a:schemeClr val="tx1">
+                      <a:alpha val="15000"/>
+                    </a:schemeClr>
+                  </a:solidFill>
+                </a:endParaRPr>
+              </a:p>
+            </p:txBody>
+          </p:sp>
+        </p:grpSp>
+      </p:grpSp>
     </p:spTree>
     <p:extLst>
       <p:ext uri="{BB962C8B-B14F-4D97-AF65-F5344CB8AC3E}">
@@ -11275,6 +11828,547 @@
           </a:p>
         </p:txBody>
       </p:sp>
+      <p:grpSp>
+        <p:nvGrpSpPr>
+          <p:cNvPr id="104" name="Group 103">
+            <a:extLst>
+              <a:ext uri="{FF2B5EF4-FFF2-40B4-BE49-F238E27FC236}">
+                <a16:creationId xmlns:a16="http://schemas.microsoft.com/office/drawing/2014/main" id="{D93593CE-3D2D-274B-8711-C2621A1C1AD2}"/>
+              </a:ext>
+            </a:extLst>
+          </p:cNvPr>
+          <p:cNvGrpSpPr>
+            <a:grpSpLocks noChangeAspect="1"/>
+          </p:cNvGrpSpPr>
+          <p:nvPr/>
+        </p:nvGrpSpPr>
+        <p:grpSpPr>
+          <a:xfrm>
+            <a:off x="1308681" y="4356644"/>
+            <a:ext cx="9445134" cy="1721404"/>
+            <a:chOff x="3360126" y="3971848"/>
+            <a:chExt cx="5764444" cy="1050587"/>
+          </a:xfrm>
+        </p:grpSpPr>
+        <p:grpSp>
+          <p:nvGrpSpPr>
+            <p:cNvPr id="105" name="Group 104">
+              <a:extLst>
+                <a:ext uri="{FF2B5EF4-FFF2-40B4-BE49-F238E27FC236}">
+                  <a16:creationId xmlns:a16="http://schemas.microsoft.com/office/drawing/2014/main" id="{DD5D338D-D36D-2C43-99D1-AAD91DC05CB6}"/>
+                </a:ext>
+              </a:extLst>
+            </p:cNvPr>
+            <p:cNvGrpSpPr/>
+            <p:nvPr/>
+          </p:nvGrpSpPr>
+          <p:grpSpPr>
+            <a:xfrm>
+              <a:off x="3360126" y="4370288"/>
+              <a:ext cx="2735874" cy="238320"/>
+              <a:chOff x="7237110" y="4319211"/>
+              <a:chExt cx="2735874" cy="238320"/>
+            </a:xfrm>
+          </p:grpSpPr>
+          <p:sp>
+            <p:nvSpPr>
+              <p:cNvPr id="110" name="Intelligent Information Retrieval Laboratory">
+                <a:extLst>
+                  <a:ext uri="{FF2B5EF4-FFF2-40B4-BE49-F238E27FC236}">
+                    <a16:creationId xmlns:a16="http://schemas.microsoft.com/office/drawing/2014/main" id="{1968F2DE-1E48-3741-A4DB-A3FF3FF7DBC4}"/>
+                  </a:ext>
+                </a:extLst>
+              </p:cNvPr>
+              <p:cNvSpPr txBox="1"/>
+              <p:nvPr/>
+            </p:nvSpPr>
+            <p:spPr>
+              <a:xfrm>
+                <a:off x="7237110" y="4319211"/>
+                <a:ext cx="2590800" cy="238320"/>
+              </a:xfrm>
+              <a:prstGeom prst="rect">
+                <a:avLst/>
+              </a:prstGeom>
+              <a:noFill/>
+              <a:ln w="12700" cap="flat">
+                <a:noFill/>
+                <a:miter lim="400000"/>
+              </a:ln>
+              <a:effectLst/>
+              <a:extLst>
+                <a:ext uri="{C572A759-6A51-4108-AA02-DFA0A04FC94B}">
+                  <ma14:wrappingTextBoxFlag xmlns="" xmlns:m="http://schemas.openxmlformats.org/officeDocument/2006/math" xmlns:a14="http://schemas.microsoft.com/office/drawing/2010/main" xmlns:ma14="http://schemas.microsoft.com/office/mac/drawingml/2011/main" val="1"/>
+                </a:ext>
+              </a:extLst>
+            </p:spPr>
+            <p:txBody>
+              <a:bodyPr wrap="square" lIns="71437" tIns="71437" rIns="71437" bIns="71437" numCol="1" anchor="ctr">
+                <a:spAutoFit/>
+              </a:bodyPr>
+              <a:lstStyle>
+                <a:lvl1pPr algn="l" defTabSz="821531">
+                  <a:defRPr sz="2400" b="0">
+                    <a:solidFill>
+                      <a:srgbClr val="FFFFFF"/>
+                    </a:solidFill>
+                    <a:latin typeface="Helvetica Neue Bold Condensed"/>
+                    <a:ea typeface="Helvetica Neue Bold Condensed"/>
+                    <a:cs typeface="Helvetica Neue Bold Condensed"/>
+                    <a:sym typeface="Helvetica Neue Bold Condensed"/>
+                  </a:defRPr>
+                </a:lvl1pPr>
+              </a:lstStyle>
+              <a:p>
+                <a:r>
+                  <a:rPr kumimoji="0" lang="zh-TW" altLang="en-US" sz="1200" b="0" i="0" u="none" strike="noStrike" cap="none" spc="0" normalizeH="0" baseline="0" dirty="0">
+                    <a:ln>
+                      <a:noFill/>
+                    </a:ln>
+                    <a:solidFill>
+                      <a:schemeClr val="tx1">
+                        <a:alpha val="15000"/>
+                      </a:schemeClr>
+                    </a:solidFill>
+                    <a:effectLst/>
+                    <a:uFillTx/>
+                    <a:latin typeface="Helvetica Neue Bold Condensed"/>
+                    <a:ea typeface="Helvetica Neue Bold Condensed"/>
+                    <a:cs typeface="Helvetica Neue Bold Condensed"/>
+                    <a:sym typeface="Helvetica Neue Bold Condensed"/>
+                  </a:rPr>
+                  <a:t>第</a:t>
+                </a:r>
+                <a:r>
+                  <a:rPr kumimoji="0" lang="en-US" altLang="zh-TW" sz="1200" b="0" i="0" u="none" strike="noStrike" cap="none" spc="0" normalizeH="0" baseline="0" dirty="0">
+                    <a:ln>
+                      <a:noFill/>
+                    </a:ln>
+                    <a:solidFill>
+                      <a:schemeClr val="tx1">
+                        <a:alpha val="15000"/>
+                      </a:schemeClr>
+                    </a:solidFill>
+                    <a:effectLst/>
+                    <a:uFillTx/>
+                    <a:latin typeface="Helvetica Neue Bold Condensed"/>
+                    <a:ea typeface="Helvetica Neue Bold Condensed"/>
+                    <a:cs typeface="Helvetica Neue Bold Condensed"/>
+                    <a:sym typeface="Helvetica Neue Bold Condensed"/>
+                  </a:rPr>
+                  <a:t>13</a:t>
+                </a:r>
+                <a:r>
+                  <a:rPr kumimoji="0" lang="zh-TW" altLang="en-US" sz="1200" b="0" i="0" u="none" strike="noStrike" cap="none" spc="0" normalizeH="0" baseline="0" dirty="0">
+                    <a:ln>
+                      <a:noFill/>
+                    </a:ln>
+                    <a:solidFill>
+                      <a:schemeClr val="tx1">
+                        <a:alpha val="15000"/>
+                      </a:schemeClr>
+                    </a:solidFill>
+                    <a:effectLst/>
+                    <a:uFillTx/>
+                    <a:latin typeface="Helvetica Neue Bold Condensed"/>
+                    <a:ea typeface="Helvetica Neue Bold Condensed"/>
+                    <a:cs typeface="Helvetica Neue Bold Condensed"/>
+                    <a:sym typeface="Helvetica Neue Bold Condensed"/>
+                  </a:rPr>
+                  <a:t>屆 </a:t>
+                </a:r>
+                <a:r>
+                  <a:rPr kumimoji="0" lang="en-US" sz="1600" b="0" i="0" u="none" strike="noStrike" cap="none" spc="0" normalizeH="0" baseline="0" dirty="0">
+                    <a:ln>
+                      <a:noFill/>
+                    </a:ln>
+                    <a:solidFill>
+                      <a:schemeClr val="tx1">
+                        <a:alpha val="15000"/>
+                      </a:schemeClr>
+                    </a:solidFill>
+                    <a:effectLst/>
+                    <a:uFillTx/>
+                    <a:latin typeface="Helvetica Neue Bold Condensed"/>
+                    <a:ea typeface="Helvetica Neue Bold Condensed"/>
+                    <a:cs typeface="Helvetica Neue Bold Condensed"/>
+                    <a:sym typeface="Helvetica Neue Bold Condensed"/>
+                  </a:rPr>
+                  <a:t>iT</a:t>
+                </a:r>
+                <a:r>
+                  <a:rPr kumimoji="0" lang="zh-TW" altLang="en-US" sz="1400" b="0" i="0" u="none" strike="noStrike" cap="none" spc="0" normalizeH="0" baseline="0" dirty="0">
+                    <a:ln>
+                      <a:noFill/>
+                    </a:ln>
+                    <a:solidFill>
+                      <a:schemeClr val="tx1">
+                        <a:alpha val="15000"/>
+                      </a:schemeClr>
+                    </a:solidFill>
+                    <a:effectLst/>
+                    <a:uFillTx/>
+                    <a:latin typeface="Helvetica Neue Bold Condensed"/>
+                    <a:ea typeface="Helvetica Neue Bold Condensed"/>
+                    <a:cs typeface="Helvetica Neue Bold Condensed"/>
+                    <a:sym typeface="Helvetica Neue Bold Condensed"/>
+                  </a:rPr>
+                  <a:t>邦</a:t>
+                </a:r>
+                <a:r>
+                  <a:rPr kumimoji="0" lang="zh-TW" altLang="en-US" sz="1100" b="0" i="0" u="none" strike="noStrike" cap="none" spc="0" normalizeH="0" baseline="0" dirty="0">
+                    <a:ln>
+                      <a:noFill/>
+                    </a:ln>
+                    <a:solidFill>
+                      <a:schemeClr val="tx1">
+                        <a:alpha val="15000"/>
+                      </a:schemeClr>
+                    </a:solidFill>
+                    <a:effectLst/>
+                    <a:uFillTx/>
+                    <a:latin typeface="Helvetica Neue Bold Condensed"/>
+                    <a:ea typeface="Helvetica Neue Bold Condensed"/>
+                    <a:cs typeface="Helvetica Neue Bold Condensed"/>
+                    <a:sym typeface="Helvetica Neue Bold Condensed"/>
+                  </a:rPr>
+                  <a:t>幫忙</a:t>
+                </a:r>
+                <a:r>
+                  <a:rPr kumimoji="0" lang="zh-TW" altLang="en-US" sz="1400" b="0" i="0" u="none" strike="noStrike" cap="none" spc="0" normalizeH="0" baseline="0" dirty="0">
+                    <a:ln>
+                      <a:noFill/>
+                    </a:ln>
+                    <a:solidFill>
+                      <a:schemeClr val="tx1">
+                        <a:alpha val="15000"/>
+                      </a:schemeClr>
+                    </a:solidFill>
+                    <a:effectLst/>
+                    <a:uFillTx/>
+                    <a:sym typeface="Helvetica Neue Bold Condensed"/>
+                  </a:rPr>
+                  <a:t> 鐵人賽</a:t>
+                </a:r>
+                <a:endParaRPr sz="1400" dirty="0">
+                  <a:solidFill>
+                    <a:schemeClr val="tx1">
+                      <a:alpha val="15000"/>
+                    </a:schemeClr>
+                  </a:solidFill>
+                </a:endParaRPr>
+              </a:p>
+            </p:txBody>
+          </p:sp>
+          <p:sp>
+            <p:nvSpPr>
+              <p:cNvPr id="111" name="Intelligent Information Retrieval Laboratory">
+                <a:extLst>
+                  <a:ext uri="{FF2B5EF4-FFF2-40B4-BE49-F238E27FC236}">
+                    <a16:creationId xmlns:a16="http://schemas.microsoft.com/office/drawing/2014/main" id="{0B5FD380-B172-934E-A791-F001ADB01802}"/>
+                  </a:ext>
+                </a:extLst>
+              </p:cNvPr>
+              <p:cNvSpPr txBox="1"/>
+              <p:nvPr/>
+            </p:nvSpPr>
+            <p:spPr>
+              <a:xfrm>
+                <a:off x="8753784" y="4345689"/>
+                <a:ext cx="1219200" cy="200752"/>
+              </a:xfrm>
+              <a:prstGeom prst="rect">
+                <a:avLst/>
+              </a:prstGeom>
+              <a:noFill/>
+              <a:ln w="12700" cap="flat">
+                <a:noFill/>
+                <a:miter lim="400000"/>
+              </a:ln>
+              <a:effectLst/>
+              <a:extLst>
+                <a:ext uri="{C572A759-6A51-4108-AA02-DFA0A04FC94B}">
+                  <ma14:wrappingTextBoxFlag xmlns="" xmlns:m="http://schemas.openxmlformats.org/officeDocument/2006/math" xmlns:a14="http://schemas.microsoft.com/office/drawing/2010/main" xmlns:ma14="http://schemas.microsoft.com/office/mac/drawingml/2011/main" val="1"/>
+                </a:ext>
+              </a:extLst>
+            </p:spPr>
+            <p:txBody>
+              <a:bodyPr wrap="square" lIns="71437" tIns="71437" rIns="71437" bIns="71437" numCol="1" anchor="ctr">
+                <a:spAutoFit/>
+              </a:bodyPr>
+              <a:lstStyle>
+                <a:lvl1pPr algn="l" defTabSz="821531">
+                  <a:defRPr sz="2400" b="0">
+                    <a:solidFill>
+                      <a:srgbClr val="FFFFFF"/>
+                    </a:solidFill>
+                    <a:latin typeface="Helvetica Neue Bold Condensed"/>
+                    <a:ea typeface="Helvetica Neue Bold Condensed"/>
+                    <a:cs typeface="Helvetica Neue Bold Condensed"/>
+                    <a:sym typeface="Helvetica Neue Bold Condensed"/>
+                  </a:defRPr>
+                </a:lvl1pPr>
+              </a:lstStyle>
+              <a:p>
+                <a:r>
+                  <a:rPr kumimoji="0" lang="en-US" altLang="zh-TW" sz="1200" b="0" i="0" u="none" strike="noStrike" cap="none" spc="0" normalizeH="0" baseline="0" dirty="0">
+                    <a:ln>
+                      <a:noFill/>
+                    </a:ln>
+                    <a:solidFill>
+                      <a:schemeClr val="tx1">
+                        <a:alpha val="15000"/>
+                      </a:schemeClr>
+                    </a:solidFill>
+                    <a:effectLst/>
+                    <a:uFillTx/>
+                    <a:latin typeface="Helvetica Neue Bold Condensed"/>
+                    <a:ea typeface="Helvetica Neue Bold Condensed"/>
+                    <a:cs typeface="Helvetica Neue Bold Condensed"/>
+                    <a:sym typeface="Helvetica Neue Bold Condensed"/>
+                  </a:rPr>
+                  <a:t>AI &amp; Data </a:t>
+                </a:r>
+                <a:r>
+                  <a:rPr kumimoji="0" lang="zh-TW" altLang="en-US" sz="1200" b="0" i="0" u="none" strike="noStrike" cap="none" spc="0" normalizeH="0" baseline="0" dirty="0">
+                    <a:ln>
+                      <a:noFill/>
+                    </a:ln>
+                    <a:solidFill>
+                      <a:schemeClr val="tx1">
+                        <a:alpha val="15000"/>
+                      </a:schemeClr>
+                    </a:solidFill>
+                    <a:effectLst/>
+                    <a:uFillTx/>
+                    <a:latin typeface="Helvetica Neue Bold Condensed"/>
+                    <a:ea typeface="Helvetica Neue Bold Condensed"/>
+                    <a:cs typeface="Helvetica Neue Bold Condensed"/>
+                    <a:sym typeface="Helvetica Neue Bold Condensed"/>
+                  </a:rPr>
+                  <a:t>組</a:t>
+                </a:r>
+                <a:endParaRPr sz="1400" dirty="0">
+                  <a:solidFill>
+                    <a:schemeClr val="tx1">
+                      <a:alpha val="15000"/>
+                    </a:schemeClr>
+                  </a:solidFill>
+                </a:endParaRPr>
+              </a:p>
+            </p:txBody>
+          </p:sp>
+        </p:grpSp>
+        <p:grpSp>
+          <p:nvGrpSpPr>
+            <p:cNvPr id="106" name="Group 105">
+              <a:extLst>
+                <a:ext uri="{FF2B5EF4-FFF2-40B4-BE49-F238E27FC236}">
+                  <a16:creationId xmlns:a16="http://schemas.microsoft.com/office/drawing/2014/main" id="{BD265EFF-3FBC-1440-92F5-D4EFF90331E5}"/>
+                </a:ext>
+              </a:extLst>
+            </p:cNvPr>
+            <p:cNvGrpSpPr/>
+            <p:nvPr/>
+          </p:nvGrpSpPr>
+          <p:grpSpPr>
+            <a:xfrm>
+              <a:off x="7247835" y="3971848"/>
+              <a:ext cx="1876735" cy="1050587"/>
+              <a:chOff x="3891792" y="3940042"/>
+              <a:chExt cx="1876735" cy="1050587"/>
+            </a:xfrm>
+          </p:grpSpPr>
+          <p:pic>
+            <p:nvPicPr>
+              <p:cNvPr id="107" name="Picture 106">
+                <a:extLst>
+                  <a:ext uri="{FF2B5EF4-FFF2-40B4-BE49-F238E27FC236}">
+                    <a16:creationId xmlns:a16="http://schemas.microsoft.com/office/drawing/2014/main" id="{CD167148-F463-2A4E-9FEA-79B9FE8F934D}"/>
+                  </a:ext>
+                </a:extLst>
+              </p:cNvPr>
+              <p:cNvPicPr>
+                <a:picLocks noChangeAspect="1" noChangeArrowheads="1"/>
+              </p:cNvPicPr>
+              <p:nvPr/>
+            </p:nvPicPr>
+            <p:blipFill>
+              <a:blip r:embed="rId2">
+                <a:duotone>
+                  <a:prstClr val="black"/>
+                  <a:schemeClr val="tx1">
+                    <a:tint val="45000"/>
+                    <a:satMod val="400000"/>
+                  </a:schemeClr>
+                </a:duotone>
+                <a:alphaModFix amt="20000"/>
+              </a:blip>
+              <a:srcRect/>
+              <a:stretch/>
+            </p:blipFill>
+            <p:spPr bwMode="auto">
+              <a:xfrm>
+                <a:off x="4489805" y="3940042"/>
+                <a:ext cx="1050587" cy="1050587"/>
+              </a:xfrm>
+              <a:prstGeom prst="rect">
+                <a:avLst/>
+              </a:prstGeom>
+              <a:noFill/>
+              <a:extLst>
+                <a:ext uri="{909E8E84-426E-40DD-AFC4-6F175D3DCCD1}">
+                  <a14:hiddenFill xmlns:a14="http://schemas.microsoft.com/office/drawing/2010/main">
+                    <a:solidFill>
+                      <a:srgbClr val="FFFFFF"/>
+                    </a:solidFill>
+                  </a14:hiddenFill>
+                </a:ext>
+              </a:extLst>
+            </p:spPr>
+          </p:pic>
+          <p:pic>
+            <p:nvPicPr>
+              <p:cNvPr id="108" name="Picture 4" descr="Youtube logo | Logok">
+                <a:extLst>
+                  <a:ext uri="{FF2B5EF4-FFF2-40B4-BE49-F238E27FC236}">
+                    <a16:creationId xmlns:a16="http://schemas.microsoft.com/office/drawing/2014/main" id="{31D5A6A7-605A-3F49-9EF1-69CF4C27E306}"/>
+                  </a:ext>
+                </a:extLst>
+              </p:cNvPr>
+              <p:cNvPicPr>
+                <a:picLocks noChangeAspect="1" noChangeArrowheads="1"/>
+              </p:cNvPicPr>
+              <p:nvPr/>
+            </p:nvPicPr>
+            <p:blipFill>
+              <a:blip r:embed="rId3">
+                <a:alphaModFix amt="20000"/>
+                <a:extLst>
+                  <a:ext uri="{28A0092B-C50C-407E-A947-70E740481C1C}">
+                    <a14:useLocalDpi xmlns:a14="http://schemas.microsoft.com/office/drawing/2010/main" val="0"/>
+                  </a:ext>
+                </a:extLst>
+              </a:blip>
+              <a:srcRect/>
+              <a:stretch>
+                <a:fillRect/>
+              </a:stretch>
+            </p:blipFill>
+            <p:spPr bwMode="auto">
+              <a:xfrm>
+                <a:off x="3891792" y="4187926"/>
+                <a:ext cx="739756" cy="554817"/>
+              </a:xfrm>
+              <a:prstGeom prst="rect">
+                <a:avLst/>
+              </a:prstGeom>
+              <a:noFill/>
+              <a:extLst>
+                <a:ext uri="{909E8E84-426E-40DD-AFC4-6F175D3DCCD1}">
+                  <a14:hiddenFill xmlns:a14="http://schemas.microsoft.com/office/drawing/2010/main">
+                    <a:solidFill>
+                      <a:srgbClr val="FFFFFF"/>
+                    </a:solidFill>
+                  </a14:hiddenFill>
+                </a:ext>
+              </a:extLst>
+            </p:spPr>
+          </p:pic>
+          <p:sp>
+            <p:nvSpPr>
+              <p:cNvPr id="109" name="Intelligent Information Retrieval Laboratory">
+                <a:extLst>
+                  <a:ext uri="{FF2B5EF4-FFF2-40B4-BE49-F238E27FC236}">
+                    <a16:creationId xmlns:a16="http://schemas.microsoft.com/office/drawing/2014/main" id="{82B4A612-50EC-C347-A67A-2B20FCE667EC}"/>
+                  </a:ext>
+                </a:extLst>
+              </p:cNvPr>
+              <p:cNvSpPr txBox="1"/>
+              <p:nvPr/>
+            </p:nvSpPr>
+            <p:spPr>
+              <a:xfrm>
+                <a:off x="4549327" y="4353909"/>
+                <a:ext cx="1219200" cy="238320"/>
+              </a:xfrm>
+              <a:prstGeom prst="rect">
+                <a:avLst/>
+              </a:prstGeom>
+              <a:noFill/>
+              <a:ln w="12700" cap="flat">
+                <a:noFill/>
+                <a:miter lim="400000"/>
+              </a:ln>
+              <a:effectLst/>
+              <a:extLst>
+                <a:ext uri="{C572A759-6A51-4108-AA02-DFA0A04FC94B}">
+                  <ma14:wrappingTextBoxFlag xmlns="" xmlns:m="http://schemas.openxmlformats.org/officeDocument/2006/math" xmlns:a14="http://schemas.microsoft.com/office/drawing/2010/main" xmlns:ma14="http://schemas.microsoft.com/office/mac/drawingml/2011/main" val="1"/>
+                </a:ext>
+              </a:extLst>
+            </p:spPr>
+            <p:txBody>
+              <a:bodyPr wrap="square" lIns="71437" tIns="71437" rIns="71437" bIns="71437" numCol="1" anchor="ctr">
+                <a:spAutoFit/>
+              </a:bodyPr>
+              <a:lstStyle>
+                <a:lvl1pPr algn="l" defTabSz="821531">
+                  <a:defRPr sz="2400" b="0">
+                    <a:solidFill>
+                      <a:srgbClr val="FFFFFF"/>
+                    </a:solidFill>
+                    <a:latin typeface="Helvetica Neue Bold Condensed"/>
+                    <a:ea typeface="Helvetica Neue Bold Condensed"/>
+                    <a:cs typeface="Helvetica Neue Bold Condensed"/>
+                    <a:sym typeface="Helvetica Neue Bold Condensed"/>
+                  </a:defRPr>
+                </a:lvl1pPr>
+              </a:lstStyle>
+              <a:p>
+                <a:r>
+                  <a:rPr kumimoji="0" lang="en-US" altLang="zh-TW" sz="1600" b="0" i="0" u="none" strike="noStrike" cap="none" spc="0" normalizeH="0" baseline="0" dirty="0">
+                    <a:ln>
+                      <a:noFill/>
+                    </a:ln>
+                    <a:solidFill>
+                      <a:schemeClr val="tx1">
+                        <a:alpha val="15000"/>
+                      </a:schemeClr>
+                    </a:solidFill>
+                    <a:effectLst/>
+                    <a:uFillTx/>
+                    <a:sym typeface="Helvetica Neue Bold Condensed"/>
+                  </a:rPr>
+                  <a:t>10</a:t>
+                </a:r>
+                <a:r>
+                  <a:rPr kumimoji="0" lang="zh-TW" altLang="en-US" sz="1600" b="0" i="0" u="none" strike="noStrike" cap="none" spc="0" normalizeH="0" baseline="0" dirty="0">
+                    <a:ln>
+                      <a:noFill/>
+                    </a:ln>
+                    <a:solidFill>
+                      <a:schemeClr val="tx1">
+                        <a:alpha val="15000"/>
+                      </a:schemeClr>
+                    </a:solidFill>
+                    <a:effectLst/>
+                    <a:uFillTx/>
+                    <a:sym typeface="Helvetica Neue Bold Condensed"/>
+                  </a:rPr>
+                  <a:t>程式中</a:t>
+                </a:r>
+                <a:endParaRPr sz="1800" dirty="0">
+                  <a:solidFill>
+                    <a:schemeClr val="tx1">
+                      <a:alpha val="15000"/>
+                    </a:schemeClr>
+                  </a:solidFill>
+                </a:endParaRPr>
+              </a:p>
+            </p:txBody>
+          </p:sp>
+        </p:grpSp>
+      </p:grpSp>
     </p:spTree>
     <p:extLst>
       <p:ext uri="{BB962C8B-B14F-4D97-AF65-F5344CB8AC3E}">
@@ -11352,8 +12446,8 @@
         </p:nvCxnSpPr>
         <p:spPr>
           <a:xfrm flipV="1">
-            <a:off x="8010353" y="2880837"/>
-            <a:ext cx="16033" cy="1718868"/>
+            <a:off x="8010353" y="2303713"/>
+            <a:ext cx="16032" cy="1780423"/>
           </a:xfrm>
           <a:prstGeom prst="straightConnector1">
             <a:avLst/>
@@ -11381,14 +12475,13 @@
           </p:cNvPr>
           <p:cNvCxnSpPr>
             <a:cxnSpLocks/>
-            <a:endCxn id="14" idx="1"/>
           </p:cNvCxnSpPr>
           <p:nvPr/>
         </p:nvCxnSpPr>
         <p:spPr>
           <a:xfrm>
-            <a:off x="8000079" y="4597992"/>
-            <a:ext cx="1658017" cy="0"/>
+            <a:off x="8000079" y="4082424"/>
+            <a:ext cx="1673246" cy="86238"/>
           </a:xfrm>
           <a:prstGeom prst="straightConnector1">
             <a:avLst/>
@@ -11419,8 +12512,8 @@
         </p:nvSpPr>
         <p:spPr>
           <a:xfrm>
-            <a:off x="9658096" y="4413326"/>
-            <a:ext cx="304892" cy="369332"/>
+            <a:off x="9652597" y="3997815"/>
+            <a:ext cx="274434" cy="307777"/>
           </a:xfrm>
           <a:prstGeom prst="rect">
             <a:avLst/>
@@ -11435,7 +12528,7 @@
           <a:p>
             <a:pPr algn="ctr" defTabSz="914377"/>
             <a:r>
-              <a:rPr lang="en-US" dirty="0">
+              <a:rPr lang="en-US" sz="1400" dirty="0">
                 <a:ln w="0"/>
                 <a:solidFill>
                   <a:srgbClr val="000000"/>
@@ -11469,8 +12562,8 @@
         </p:nvSpPr>
         <p:spPr>
           <a:xfrm>
-            <a:off x="7876344" y="2511505"/>
-            <a:ext cx="300083" cy="369332"/>
+            <a:off x="7889168" y="1995936"/>
+            <a:ext cx="274434" cy="307777"/>
           </a:xfrm>
           <a:prstGeom prst="rect">
             <a:avLst/>
@@ -11485,7 +12578,7 @@
           <a:p>
             <a:pPr algn="ctr" defTabSz="914377"/>
             <a:r>
-              <a:rPr lang="en-US" dirty="0">
+              <a:rPr lang="en-US" sz="1400" dirty="0">
                 <a:ln w="0"/>
                 <a:solidFill>
                   <a:srgbClr val="000000"/>
@@ -11522,7 +12615,7 @@
         </p:nvCxnSpPr>
         <p:spPr>
           <a:xfrm flipH="1">
-            <a:off x="7407348" y="4597992"/>
+            <a:off x="7417075" y="4067129"/>
             <a:ext cx="603006" cy="600769"/>
           </a:xfrm>
           <a:prstGeom prst="straightConnector1">
@@ -11562,7 +12655,7 @@
         </p:blipFill>
         <p:spPr>
           <a:xfrm rot="1426336">
-            <a:off x="7529954" y="3715295"/>
+            <a:off x="7529954" y="3199726"/>
             <a:ext cx="1714500" cy="1397000"/>
           </a:xfrm>
           <a:prstGeom prst="rect">
@@ -11584,7 +12677,7 @@
         </p:nvSpPr>
         <p:spPr>
           <a:xfrm rot="217023">
-            <a:off x="7144245" y="3197831"/>
+            <a:off x="7144245" y="2682262"/>
             <a:ext cx="2953994" cy="1125130"/>
           </a:xfrm>
           <a:prstGeom prst="parallelogram">
@@ -11656,8 +12749,8 @@
         </p:nvSpPr>
         <p:spPr>
           <a:xfrm>
-            <a:off x="7262917" y="5198761"/>
-            <a:ext cx="288862" cy="369332"/>
+            <a:off x="7279858" y="4667898"/>
+            <a:ext cx="274434" cy="307777"/>
           </a:xfrm>
           <a:prstGeom prst="rect">
             <a:avLst/>
@@ -11672,7 +12765,7 @@
           <a:p>
             <a:pPr algn="ctr" defTabSz="914377"/>
             <a:r>
-              <a:rPr lang="en-US" dirty="0">
+              <a:rPr lang="en-US" sz="1400" dirty="0">
                 <a:ln w="0"/>
                 <a:solidFill>
                   <a:srgbClr val="000000"/>
@@ -11692,12 +12785,553 @@
           </a:p>
         </p:txBody>
       </p:sp>
+      <p:grpSp>
+        <p:nvGrpSpPr>
+          <p:cNvPr id="29" name="Group 28">
+            <a:extLst>
+              <a:ext uri="{FF2B5EF4-FFF2-40B4-BE49-F238E27FC236}">
+                <a16:creationId xmlns:a16="http://schemas.microsoft.com/office/drawing/2014/main" id="{BEE64B1F-0EF4-A944-9F02-DFA7DA454D25}"/>
+              </a:ext>
+            </a:extLst>
+          </p:cNvPr>
+          <p:cNvGrpSpPr>
+            <a:grpSpLocks noChangeAspect="1"/>
+          </p:cNvGrpSpPr>
+          <p:nvPr/>
+        </p:nvGrpSpPr>
+        <p:grpSpPr>
+          <a:xfrm>
+            <a:off x="1581056" y="4486897"/>
+            <a:ext cx="9445134" cy="1721404"/>
+            <a:chOff x="3360126" y="3971848"/>
+            <a:chExt cx="5764444" cy="1050587"/>
+          </a:xfrm>
+        </p:grpSpPr>
+        <p:grpSp>
+          <p:nvGrpSpPr>
+            <p:cNvPr id="30" name="Group 29">
+              <a:extLst>
+                <a:ext uri="{FF2B5EF4-FFF2-40B4-BE49-F238E27FC236}">
+                  <a16:creationId xmlns:a16="http://schemas.microsoft.com/office/drawing/2014/main" id="{43E583C0-1A91-FD47-923C-D1046B90219A}"/>
+                </a:ext>
+              </a:extLst>
+            </p:cNvPr>
+            <p:cNvGrpSpPr/>
+            <p:nvPr/>
+          </p:nvGrpSpPr>
+          <p:grpSpPr>
+            <a:xfrm>
+              <a:off x="3360126" y="4370288"/>
+              <a:ext cx="2735874" cy="238320"/>
+              <a:chOff x="7237110" y="4319211"/>
+              <a:chExt cx="2735874" cy="238320"/>
+            </a:xfrm>
+          </p:grpSpPr>
+          <p:sp>
+            <p:nvSpPr>
+              <p:cNvPr id="35" name="Intelligent Information Retrieval Laboratory">
+                <a:extLst>
+                  <a:ext uri="{FF2B5EF4-FFF2-40B4-BE49-F238E27FC236}">
+                    <a16:creationId xmlns:a16="http://schemas.microsoft.com/office/drawing/2014/main" id="{525B2449-CBE0-C14C-B19D-B26BB65588E4}"/>
+                  </a:ext>
+                </a:extLst>
+              </p:cNvPr>
+              <p:cNvSpPr txBox="1"/>
+              <p:nvPr/>
+            </p:nvSpPr>
+            <p:spPr>
+              <a:xfrm>
+                <a:off x="7237110" y="4319211"/>
+                <a:ext cx="2590800" cy="238320"/>
+              </a:xfrm>
+              <a:prstGeom prst="rect">
+                <a:avLst/>
+              </a:prstGeom>
+              <a:noFill/>
+              <a:ln w="12700" cap="flat">
+                <a:noFill/>
+                <a:miter lim="400000"/>
+              </a:ln>
+              <a:effectLst/>
+              <a:extLst>
+                <a:ext uri="{C572A759-6A51-4108-AA02-DFA0A04FC94B}">
+                  <ma14:wrappingTextBoxFlag xmlns="" xmlns:m="http://schemas.openxmlformats.org/officeDocument/2006/math" xmlns:a14="http://schemas.microsoft.com/office/drawing/2010/main" xmlns:ma14="http://schemas.microsoft.com/office/mac/drawingml/2011/main" val="1"/>
+                </a:ext>
+              </a:extLst>
+            </p:spPr>
+            <p:txBody>
+              <a:bodyPr wrap="square" lIns="71437" tIns="71437" rIns="71437" bIns="71437" numCol="1" anchor="ctr">
+                <a:spAutoFit/>
+              </a:bodyPr>
+              <a:lstStyle>
+                <a:lvl1pPr algn="l" defTabSz="821531">
+                  <a:defRPr sz="2400" b="0">
+                    <a:solidFill>
+                      <a:srgbClr val="FFFFFF"/>
+                    </a:solidFill>
+                    <a:latin typeface="Helvetica Neue Bold Condensed"/>
+                    <a:ea typeface="Helvetica Neue Bold Condensed"/>
+                    <a:cs typeface="Helvetica Neue Bold Condensed"/>
+                    <a:sym typeface="Helvetica Neue Bold Condensed"/>
+                  </a:defRPr>
+                </a:lvl1pPr>
+              </a:lstStyle>
+              <a:p>
+                <a:r>
+                  <a:rPr kumimoji="0" lang="zh-TW" altLang="en-US" sz="1200" b="0" i="0" u="none" strike="noStrike" cap="none" spc="0" normalizeH="0" baseline="0" dirty="0">
+                    <a:ln>
+                      <a:noFill/>
+                    </a:ln>
+                    <a:solidFill>
+                      <a:schemeClr val="tx1">
+                        <a:alpha val="15000"/>
+                      </a:schemeClr>
+                    </a:solidFill>
+                    <a:effectLst/>
+                    <a:uFillTx/>
+                    <a:latin typeface="Helvetica Neue Bold Condensed"/>
+                    <a:ea typeface="Helvetica Neue Bold Condensed"/>
+                    <a:cs typeface="Helvetica Neue Bold Condensed"/>
+                    <a:sym typeface="Helvetica Neue Bold Condensed"/>
+                  </a:rPr>
+                  <a:t>第</a:t>
+                </a:r>
+                <a:r>
+                  <a:rPr kumimoji="0" lang="en-US" altLang="zh-TW" sz="1200" b="0" i="0" u="none" strike="noStrike" cap="none" spc="0" normalizeH="0" baseline="0" dirty="0">
+                    <a:ln>
+                      <a:noFill/>
+                    </a:ln>
+                    <a:solidFill>
+                      <a:schemeClr val="tx1">
+                        <a:alpha val="15000"/>
+                      </a:schemeClr>
+                    </a:solidFill>
+                    <a:effectLst/>
+                    <a:uFillTx/>
+                    <a:latin typeface="Helvetica Neue Bold Condensed"/>
+                    <a:ea typeface="Helvetica Neue Bold Condensed"/>
+                    <a:cs typeface="Helvetica Neue Bold Condensed"/>
+                    <a:sym typeface="Helvetica Neue Bold Condensed"/>
+                  </a:rPr>
+                  <a:t>13</a:t>
+                </a:r>
+                <a:r>
+                  <a:rPr kumimoji="0" lang="zh-TW" altLang="en-US" sz="1200" b="0" i="0" u="none" strike="noStrike" cap="none" spc="0" normalizeH="0" baseline="0" dirty="0">
+                    <a:ln>
+                      <a:noFill/>
+                    </a:ln>
+                    <a:solidFill>
+                      <a:schemeClr val="tx1">
+                        <a:alpha val="15000"/>
+                      </a:schemeClr>
+                    </a:solidFill>
+                    <a:effectLst/>
+                    <a:uFillTx/>
+                    <a:latin typeface="Helvetica Neue Bold Condensed"/>
+                    <a:ea typeface="Helvetica Neue Bold Condensed"/>
+                    <a:cs typeface="Helvetica Neue Bold Condensed"/>
+                    <a:sym typeface="Helvetica Neue Bold Condensed"/>
+                  </a:rPr>
+                  <a:t>屆 </a:t>
+                </a:r>
+                <a:r>
+                  <a:rPr kumimoji="0" lang="en-US" sz="1600" b="0" i="0" u="none" strike="noStrike" cap="none" spc="0" normalizeH="0" baseline="0" dirty="0">
+                    <a:ln>
+                      <a:noFill/>
+                    </a:ln>
+                    <a:solidFill>
+                      <a:schemeClr val="tx1">
+                        <a:alpha val="15000"/>
+                      </a:schemeClr>
+                    </a:solidFill>
+                    <a:effectLst/>
+                    <a:uFillTx/>
+                    <a:latin typeface="Helvetica Neue Bold Condensed"/>
+                    <a:ea typeface="Helvetica Neue Bold Condensed"/>
+                    <a:cs typeface="Helvetica Neue Bold Condensed"/>
+                    <a:sym typeface="Helvetica Neue Bold Condensed"/>
+                  </a:rPr>
+                  <a:t>iT</a:t>
+                </a:r>
+                <a:r>
+                  <a:rPr kumimoji="0" lang="zh-TW" altLang="en-US" sz="1400" b="0" i="0" u="none" strike="noStrike" cap="none" spc="0" normalizeH="0" baseline="0" dirty="0">
+                    <a:ln>
+                      <a:noFill/>
+                    </a:ln>
+                    <a:solidFill>
+                      <a:schemeClr val="tx1">
+                        <a:alpha val="15000"/>
+                      </a:schemeClr>
+                    </a:solidFill>
+                    <a:effectLst/>
+                    <a:uFillTx/>
+                    <a:latin typeface="Helvetica Neue Bold Condensed"/>
+                    <a:ea typeface="Helvetica Neue Bold Condensed"/>
+                    <a:cs typeface="Helvetica Neue Bold Condensed"/>
+                    <a:sym typeface="Helvetica Neue Bold Condensed"/>
+                  </a:rPr>
+                  <a:t>邦</a:t>
+                </a:r>
+                <a:r>
+                  <a:rPr kumimoji="0" lang="zh-TW" altLang="en-US" sz="1100" b="0" i="0" u="none" strike="noStrike" cap="none" spc="0" normalizeH="0" baseline="0" dirty="0">
+                    <a:ln>
+                      <a:noFill/>
+                    </a:ln>
+                    <a:solidFill>
+                      <a:schemeClr val="tx1">
+                        <a:alpha val="15000"/>
+                      </a:schemeClr>
+                    </a:solidFill>
+                    <a:effectLst/>
+                    <a:uFillTx/>
+                    <a:latin typeface="Helvetica Neue Bold Condensed"/>
+                    <a:ea typeface="Helvetica Neue Bold Condensed"/>
+                    <a:cs typeface="Helvetica Neue Bold Condensed"/>
+                    <a:sym typeface="Helvetica Neue Bold Condensed"/>
+                  </a:rPr>
+                  <a:t>幫忙</a:t>
+                </a:r>
+                <a:r>
+                  <a:rPr kumimoji="0" lang="zh-TW" altLang="en-US" sz="1400" b="0" i="0" u="none" strike="noStrike" cap="none" spc="0" normalizeH="0" baseline="0" dirty="0">
+                    <a:ln>
+                      <a:noFill/>
+                    </a:ln>
+                    <a:solidFill>
+                      <a:schemeClr val="tx1">
+                        <a:alpha val="15000"/>
+                      </a:schemeClr>
+                    </a:solidFill>
+                    <a:effectLst/>
+                    <a:uFillTx/>
+                    <a:sym typeface="Helvetica Neue Bold Condensed"/>
+                  </a:rPr>
+                  <a:t> 鐵人賽</a:t>
+                </a:r>
+                <a:endParaRPr sz="1400" dirty="0">
+                  <a:solidFill>
+                    <a:schemeClr val="tx1">
+                      <a:alpha val="15000"/>
+                    </a:schemeClr>
+                  </a:solidFill>
+                </a:endParaRPr>
+              </a:p>
+            </p:txBody>
+          </p:sp>
+          <p:sp>
+            <p:nvSpPr>
+              <p:cNvPr id="36" name="Intelligent Information Retrieval Laboratory">
+                <a:extLst>
+                  <a:ext uri="{FF2B5EF4-FFF2-40B4-BE49-F238E27FC236}">
+                    <a16:creationId xmlns:a16="http://schemas.microsoft.com/office/drawing/2014/main" id="{8B24129F-2F98-AC4E-B43F-C2EF8EC1CEBC}"/>
+                  </a:ext>
+                </a:extLst>
+              </p:cNvPr>
+              <p:cNvSpPr txBox="1"/>
+              <p:nvPr/>
+            </p:nvSpPr>
+            <p:spPr>
+              <a:xfrm>
+                <a:off x="8753784" y="4345689"/>
+                <a:ext cx="1219200" cy="200752"/>
+              </a:xfrm>
+              <a:prstGeom prst="rect">
+                <a:avLst/>
+              </a:prstGeom>
+              <a:noFill/>
+              <a:ln w="12700" cap="flat">
+                <a:noFill/>
+                <a:miter lim="400000"/>
+              </a:ln>
+              <a:effectLst/>
+              <a:extLst>
+                <a:ext uri="{C572A759-6A51-4108-AA02-DFA0A04FC94B}">
+                  <ma14:wrappingTextBoxFlag xmlns="" xmlns:m="http://schemas.openxmlformats.org/officeDocument/2006/math" xmlns:a14="http://schemas.microsoft.com/office/drawing/2010/main" xmlns:ma14="http://schemas.microsoft.com/office/mac/drawingml/2011/main" val="1"/>
+                </a:ext>
+              </a:extLst>
+            </p:spPr>
+            <p:txBody>
+              <a:bodyPr wrap="square" lIns="71437" tIns="71437" rIns="71437" bIns="71437" numCol="1" anchor="ctr">
+                <a:spAutoFit/>
+              </a:bodyPr>
+              <a:lstStyle>
+                <a:lvl1pPr algn="l" defTabSz="821531">
+                  <a:defRPr sz="2400" b="0">
+                    <a:solidFill>
+                      <a:srgbClr val="FFFFFF"/>
+                    </a:solidFill>
+                    <a:latin typeface="Helvetica Neue Bold Condensed"/>
+                    <a:ea typeface="Helvetica Neue Bold Condensed"/>
+                    <a:cs typeface="Helvetica Neue Bold Condensed"/>
+                    <a:sym typeface="Helvetica Neue Bold Condensed"/>
+                  </a:defRPr>
+                </a:lvl1pPr>
+              </a:lstStyle>
+              <a:p>
+                <a:r>
+                  <a:rPr kumimoji="0" lang="en-US" altLang="zh-TW" sz="1200" b="0" i="0" u="none" strike="noStrike" cap="none" spc="0" normalizeH="0" baseline="0" dirty="0">
+                    <a:ln>
+                      <a:noFill/>
+                    </a:ln>
+                    <a:solidFill>
+                      <a:schemeClr val="tx1">
+                        <a:alpha val="15000"/>
+                      </a:schemeClr>
+                    </a:solidFill>
+                    <a:effectLst/>
+                    <a:uFillTx/>
+                    <a:latin typeface="Helvetica Neue Bold Condensed"/>
+                    <a:ea typeface="Helvetica Neue Bold Condensed"/>
+                    <a:cs typeface="Helvetica Neue Bold Condensed"/>
+                    <a:sym typeface="Helvetica Neue Bold Condensed"/>
+                  </a:rPr>
+                  <a:t>AI &amp; Data </a:t>
+                </a:r>
+                <a:r>
+                  <a:rPr kumimoji="0" lang="zh-TW" altLang="en-US" sz="1200" b="0" i="0" u="none" strike="noStrike" cap="none" spc="0" normalizeH="0" baseline="0" dirty="0">
+                    <a:ln>
+                      <a:noFill/>
+                    </a:ln>
+                    <a:solidFill>
+                      <a:schemeClr val="tx1">
+                        <a:alpha val="15000"/>
+                      </a:schemeClr>
+                    </a:solidFill>
+                    <a:effectLst/>
+                    <a:uFillTx/>
+                    <a:latin typeface="Helvetica Neue Bold Condensed"/>
+                    <a:ea typeface="Helvetica Neue Bold Condensed"/>
+                    <a:cs typeface="Helvetica Neue Bold Condensed"/>
+                    <a:sym typeface="Helvetica Neue Bold Condensed"/>
+                  </a:rPr>
+                  <a:t>組</a:t>
+                </a:r>
+                <a:endParaRPr sz="1400" dirty="0">
+                  <a:solidFill>
+                    <a:schemeClr val="tx1">
+                      <a:alpha val="15000"/>
+                    </a:schemeClr>
+                  </a:solidFill>
+                </a:endParaRPr>
+              </a:p>
+            </p:txBody>
+          </p:sp>
+        </p:grpSp>
+        <p:grpSp>
+          <p:nvGrpSpPr>
+            <p:cNvPr id="31" name="Group 30">
+              <a:extLst>
+                <a:ext uri="{FF2B5EF4-FFF2-40B4-BE49-F238E27FC236}">
+                  <a16:creationId xmlns:a16="http://schemas.microsoft.com/office/drawing/2014/main" id="{4F6CE3D0-13C4-4042-8C21-434A481233B8}"/>
+                </a:ext>
+              </a:extLst>
+            </p:cNvPr>
+            <p:cNvGrpSpPr/>
+            <p:nvPr/>
+          </p:nvGrpSpPr>
+          <p:grpSpPr>
+            <a:xfrm>
+              <a:off x="7247835" y="3971848"/>
+              <a:ext cx="1876735" cy="1050587"/>
+              <a:chOff x="3891792" y="3940042"/>
+              <a:chExt cx="1876735" cy="1050587"/>
+            </a:xfrm>
+          </p:grpSpPr>
+          <p:pic>
+            <p:nvPicPr>
+              <p:cNvPr id="32" name="Picture 31">
+                <a:extLst>
+                  <a:ext uri="{FF2B5EF4-FFF2-40B4-BE49-F238E27FC236}">
+                    <a16:creationId xmlns:a16="http://schemas.microsoft.com/office/drawing/2014/main" id="{AF1CBFC7-8C67-B14A-824F-016D25088CE5}"/>
+                  </a:ext>
+                </a:extLst>
+              </p:cNvPr>
+              <p:cNvPicPr>
+                <a:picLocks noChangeAspect="1" noChangeArrowheads="1"/>
+              </p:cNvPicPr>
+              <p:nvPr/>
+            </p:nvPicPr>
+            <p:blipFill>
+              <a:blip r:embed="rId4">
+                <a:duotone>
+                  <a:prstClr val="black"/>
+                  <a:schemeClr val="tx1">
+                    <a:tint val="45000"/>
+                    <a:satMod val="400000"/>
+                  </a:schemeClr>
+                </a:duotone>
+                <a:alphaModFix amt="20000"/>
+              </a:blip>
+              <a:srcRect/>
+              <a:stretch/>
+            </p:blipFill>
+            <p:spPr bwMode="auto">
+              <a:xfrm>
+                <a:off x="4489805" y="3940042"/>
+                <a:ext cx="1050587" cy="1050587"/>
+              </a:xfrm>
+              <a:prstGeom prst="rect">
+                <a:avLst/>
+              </a:prstGeom>
+              <a:noFill/>
+              <a:extLst>
+                <a:ext uri="{909E8E84-426E-40DD-AFC4-6F175D3DCCD1}">
+                  <a14:hiddenFill xmlns:a14="http://schemas.microsoft.com/office/drawing/2010/main">
+                    <a:solidFill>
+                      <a:srgbClr val="FFFFFF"/>
+                    </a:solidFill>
+                  </a14:hiddenFill>
+                </a:ext>
+              </a:extLst>
+            </p:spPr>
+          </p:pic>
+          <p:pic>
+            <p:nvPicPr>
+              <p:cNvPr id="33" name="Picture 4" descr="Youtube logo | Logok">
+                <a:extLst>
+                  <a:ext uri="{FF2B5EF4-FFF2-40B4-BE49-F238E27FC236}">
+                    <a16:creationId xmlns:a16="http://schemas.microsoft.com/office/drawing/2014/main" id="{2F342E10-6327-DE4D-B6B0-7E39ECD3E4E2}"/>
+                  </a:ext>
+                </a:extLst>
+              </p:cNvPr>
+              <p:cNvPicPr>
+                <a:picLocks noChangeAspect="1" noChangeArrowheads="1"/>
+              </p:cNvPicPr>
+              <p:nvPr/>
+            </p:nvPicPr>
+            <p:blipFill>
+              <a:blip r:embed="rId5">
+                <a:alphaModFix amt="20000"/>
+                <a:extLst>
+                  <a:ext uri="{28A0092B-C50C-407E-A947-70E740481C1C}">
+                    <a14:useLocalDpi xmlns:a14="http://schemas.microsoft.com/office/drawing/2010/main" val="0"/>
+                  </a:ext>
+                </a:extLst>
+              </a:blip>
+              <a:srcRect/>
+              <a:stretch>
+                <a:fillRect/>
+              </a:stretch>
+            </p:blipFill>
+            <p:spPr bwMode="auto">
+              <a:xfrm>
+                <a:off x="3891792" y="4187926"/>
+                <a:ext cx="739756" cy="554817"/>
+              </a:xfrm>
+              <a:prstGeom prst="rect">
+                <a:avLst/>
+              </a:prstGeom>
+              <a:noFill/>
+              <a:extLst>
+                <a:ext uri="{909E8E84-426E-40DD-AFC4-6F175D3DCCD1}">
+                  <a14:hiddenFill xmlns:a14="http://schemas.microsoft.com/office/drawing/2010/main">
+                    <a:solidFill>
+                      <a:srgbClr val="FFFFFF"/>
+                    </a:solidFill>
+                  </a14:hiddenFill>
+                </a:ext>
+              </a:extLst>
+            </p:spPr>
+          </p:pic>
+          <p:sp>
+            <p:nvSpPr>
+              <p:cNvPr id="34" name="Intelligent Information Retrieval Laboratory">
+                <a:extLst>
+                  <a:ext uri="{FF2B5EF4-FFF2-40B4-BE49-F238E27FC236}">
+                    <a16:creationId xmlns:a16="http://schemas.microsoft.com/office/drawing/2014/main" id="{9C7C6B1F-EED8-1743-A8EA-420AAC239296}"/>
+                  </a:ext>
+                </a:extLst>
+              </p:cNvPr>
+              <p:cNvSpPr txBox="1"/>
+              <p:nvPr/>
+            </p:nvSpPr>
+            <p:spPr>
+              <a:xfrm>
+                <a:off x="4549327" y="4353909"/>
+                <a:ext cx="1219200" cy="238320"/>
+              </a:xfrm>
+              <a:prstGeom prst="rect">
+                <a:avLst/>
+              </a:prstGeom>
+              <a:noFill/>
+              <a:ln w="12700" cap="flat">
+                <a:noFill/>
+                <a:miter lim="400000"/>
+              </a:ln>
+              <a:effectLst/>
+              <a:extLst>
+                <a:ext uri="{C572A759-6A51-4108-AA02-DFA0A04FC94B}">
+                  <ma14:wrappingTextBoxFlag xmlns="" xmlns:m="http://schemas.openxmlformats.org/officeDocument/2006/math" xmlns:a14="http://schemas.microsoft.com/office/drawing/2010/main" xmlns:ma14="http://schemas.microsoft.com/office/mac/drawingml/2011/main" val="1"/>
+                </a:ext>
+              </a:extLst>
+            </p:spPr>
+            <p:txBody>
+              <a:bodyPr wrap="square" lIns="71437" tIns="71437" rIns="71437" bIns="71437" numCol="1" anchor="ctr">
+                <a:spAutoFit/>
+              </a:bodyPr>
+              <a:lstStyle>
+                <a:lvl1pPr algn="l" defTabSz="821531">
+                  <a:defRPr sz="2400" b="0">
+                    <a:solidFill>
+                      <a:srgbClr val="FFFFFF"/>
+                    </a:solidFill>
+                    <a:latin typeface="Helvetica Neue Bold Condensed"/>
+                    <a:ea typeface="Helvetica Neue Bold Condensed"/>
+                    <a:cs typeface="Helvetica Neue Bold Condensed"/>
+                    <a:sym typeface="Helvetica Neue Bold Condensed"/>
+                  </a:defRPr>
+                </a:lvl1pPr>
+              </a:lstStyle>
+              <a:p>
+                <a:r>
+                  <a:rPr kumimoji="0" lang="en-US" altLang="zh-TW" sz="1600" b="0" i="0" u="none" strike="noStrike" cap="none" spc="0" normalizeH="0" baseline="0" dirty="0">
+                    <a:ln>
+                      <a:noFill/>
+                    </a:ln>
+                    <a:solidFill>
+                      <a:schemeClr val="tx1">
+                        <a:alpha val="15000"/>
+                      </a:schemeClr>
+                    </a:solidFill>
+                    <a:effectLst/>
+                    <a:uFillTx/>
+                    <a:sym typeface="Helvetica Neue Bold Condensed"/>
+                  </a:rPr>
+                  <a:t>10</a:t>
+                </a:r>
+                <a:r>
+                  <a:rPr kumimoji="0" lang="zh-TW" altLang="en-US" sz="1600" b="0" i="0" u="none" strike="noStrike" cap="none" spc="0" normalizeH="0" baseline="0" dirty="0">
+                    <a:ln>
+                      <a:noFill/>
+                    </a:ln>
+                    <a:solidFill>
+                      <a:schemeClr val="tx1">
+                        <a:alpha val="15000"/>
+                      </a:schemeClr>
+                    </a:solidFill>
+                    <a:effectLst/>
+                    <a:uFillTx/>
+                    <a:sym typeface="Helvetica Neue Bold Condensed"/>
+                  </a:rPr>
+                  <a:t>程式中</a:t>
+                </a:r>
+                <a:endParaRPr sz="1800" dirty="0">
+                  <a:solidFill>
+                    <a:schemeClr val="tx1">
+                      <a:alpha val="15000"/>
+                    </a:schemeClr>
+                  </a:solidFill>
+                </a:endParaRPr>
+              </a:p>
+            </p:txBody>
+          </p:sp>
+        </p:grpSp>
+      </p:grpSp>
       <p:pic>
         <p:nvPicPr>
-          <p:cNvPr id="20" name="Picture 19">
-            <a:extLst>
-              <a:ext uri="{FF2B5EF4-FFF2-40B4-BE49-F238E27FC236}">
-                <a16:creationId xmlns:a16="http://schemas.microsoft.com/office/drawing/2014/main" id="{94F08B8A-91AF-B349-B35C-06541DCC27B6}"/>
+          <p:cNvPr id="37" name="Picture 36">
+            <a:extLst>
+              <a:ext uri="{FF2B5EF4-FFF2-40B4-BE49-F238E27FC236}">
+                <a16:creationId xmlns:a16="http://schemas.microsoft.com/office/drawing/2014/main" id="{ABF347DD-E056-9D47-9C73-DBE3CB295004}"/>
               </a:ext>
             </a:extLst>
           </p:cNvPr>
@@ -11707,14 +13341,14 @@
           <p:nvPr/>
         </p:nvPicPr>
         <p:blipFill>
-          <a:blip r:embed="rId4"/>
+          <a:blip r:embed="rId6"/>
           <a:stretch>
             <a:fillRect/>
           </a:stretch>
         </p:blipFill>
         <p:spPr>
           <a:xfrm rot="1879982">
-            <a:off x="7559828" y="2464484"/>
+            <a:off x="7559828" y="1948915"/>
             <a:ext cx="1676400" cy="1739900"/>
           </a:xfrm>
           <a:prstGeom prst="rect">
@@ -11752,156 +13386,6 @@
           <a:chExt cx="0" cy="0"/>
         </a:xfrm>
       </p:grpSpPr>
-      <p:pic>
-        <p:nvPicPr>
-          <p:cNvPr id="2" name="Picture 1">
-            <a:extLst>
-              <a:ext uri="{FF2B5EF4-FFF2-40B4-BE49-F238E27FC236}">
-                <a16:creationId xmlns:a16="http://schemas.microsoft.com/office/drawing/2014/main" id="{ADDF360F-16EA-4544-859B-B4C3ABE6F848}"/>
-              </a:ext>
-            </a:extLst>
-          </p:cNvPr>
-          <p:cNvPicPr>
-            <a:picLocks noChangeAspect="1"/>
-          </p:cNvPicPr>
-          <p:nvPr/>
-        </p:nvPicPr>
-        <p:blipFill>
-          <a:blip r:embed="rId2"/>
-          <a:stretch>
-            <a:fillRect/>
-          </a:stretch>
-        </p:blipFill>
-        <p:spPr>
-          <a:xfrm>
-            <a:off x="2233309" y="876300"/>
-            <a:ext cx="3509962" cy="2552700"/>
-          </a:xfrm>
-          <a:prstGeom prst="rect">
-            <a:avLst/>
-          </a:prstGeom>
-        </p:spPr>
-      </p:pic>
-      <p:pic>
-        <p:nvPicPr>
-          <p:cNvPr id="3" name="Picture 2">
-            <a:extLst>
-              <a:ext uri="{FF2B5EF4-FFF2-40B4-BE49-F238E27FC236}">
-                <a16:creationId xmlns:a16="http://schemas.microsoft.com/office/drawing/2014/main" id="{318BC6DB-8101-DB44-975E-4AF015D859C1}"/>
-              </a:ext>
-            </a:extLst>
-          </p:cNvPr>
-          <p:cNvPicPr>
-            <a:picLocks noChangeAspect="1"/>
-          </p:cNvPicPr>
-          <p:nvPr/>
-        </p:nvPicPr>
-        <p:blipFill>
-          <a:blip r:embed="rId3"/>
-          <a:stretch>
-            <a:fillRect/>
-          </a:stretch>
-        </p:blipFill>
-        <p:spPr>
-          <a:xfrm>
-            <a:off x="6186303" y="828109"/>
-            <a:ext cx="3547452" cy="2588192"/>
-          </a:xfrm>
-          <a:prstGeom prst="rect">
-            <a:avLst/>
-          </a:prstGeom>
-        </p:spPr>
-      </p:pic>
-      <p:pic>
-        <p:nvPicPr>
-          <p:cNvPr id="4" name="Picture 3">
-            <a:extLst>
-              <a:ext uri="{FF2B5EF4-FFF2-40B4-BE49-F238E27FC236}">
-                <a16:creationId xmlns:a16="http://schemas.microsoft.com/office/drawing/2014/main" id="{2B95E1C1-FCD6-7D4A-B2DD-C77608025644}"/>
-              </a:ext>
-            </a:extLst>
-          </p:cNvPr>
-          <p:cNvPicPr>
-            <a:picLocks noChangeAspect="1"/>
-          </p:cNvPicPr>
-          <p:nvPr/>
-        </p:nvPicPr>
-        <p:blipFill>
-          <a:blip r:embed="rId4"/>
-          <a:stretch>
-            <a:fillRect/>
-          </a:stretch>
-        </p:blipFill>
-        <p:spPr>
-          <a:xfrm>
-            <a:off x="2258709" y="3395119"/>
-            <a:ext cx="3474000" cy="2614454"/>
-          </a:xfrm>
-          <a:prstGeom prst="rect">
-            <a:avLst/>
-          </a:prstGeom>
-        </p:spPr>
-      </p:pic>
-      <p:pic>
-        <p:nvPicPr>
-          <p:cNvPr id="5" name="Picture 4">
-            <a:extLst>
-              <a:ext uri="{FF2B5EF4-FFF2-40B4-BE49-F238E27FC236}">
-                <a16:creationId xmlns:a16="http://schemas.microsoft.com/office/drawing/2014/main" id="{8855472E-4DF6-D849-B1C5-414F23D5470E}"/>
-              </a:ext>
-            </a:extLst>
-          </p:cNvPr>
-          <p:cNvPicPr>
-            <a:picLocks noChangeAspect="1"/>
-          </p:cNvPicPr>
-          <p:nvPr/>
-        </p:nvPicPr>
-        <p:blipFill>
-          <a:blip r:embed="rId5"/>
-          <a:stretch>
-            <a:fillRect/>
-          </a:stretch>
-        </p:blipFill>
-        <p:spPr>
-          <a:xfrm>
-            <a:off x="6175741" y="3454399"/>
-            <a:ext cx="3558014" cy="2546599"/>
-          </a:xfrm>
-          <a:prstGeom prst="rect">
-            <a:avLst/>
-          </a:prstGeom>
-        </p:spPr>
-      </p:pic>
-    </p:spTree>
-    <p:extLst>
-      <p:ext uri="{BB962C8B-B14F-4D97-AF65-F5344CB8AC3E}">
-        <p14:creationId xmlns:p14="http://schemas.microsoft.com/office/powerpoint/2010/main" val="808538259"/>
-      </p:ext>
-    </p:extLst>
-  </p:cSld>
-  <p:clrMapOvr>
-    <a:masterClrMapping/>
-  </p:clrMapOvr>
-</p:sld>
-</file>
-
-<file path=ppt/slides/slide5.xml><?xml version="1.0" encoding="utf-8"?>
-<p:sld xmlns:a="http://schemas.openxmlformats.org/drawingml/2006/main" xmlns:r="http://schemas.openxmlformats.org/officeDocument/2006/relationships" xmlns:p="http://schemas.openxmlformats.org/presentationml/2006/main">
-  <p:cSld>
-    <p:spTree>
-      <p:nvGrpSpPr>
-        <p:cNvPr id="1" name=""/>
-        <p:cNvGrpSpPr/>
-        <p:nvPr/>
-      </p:nvGrpSpPr>
-      <p:grpSpPr>
-        <a:xfrm>
-          <a:off x="0" y="0"/>
-          <a:ext cx="0" cy="0"/>
-          <a:chOff x="0" y="0"/>
-          <a:chExt cx="0" cy="0"/>
-        </a:xfrm>
-      </p:grpSpPr>
       <p:cxnSp>
         <p:nvCxnSpPr>
           <p:cNvPr id="2" name="Google Shape;1582;p156">
@@ -13886,8 +15370,8 @@
           <a:effectLst/>
         </p:spPr>
       </p:cxnSp>
-      <mc:AlternateContent xmlns:mc="http://schemas.openxmlformats.org/markup-compatibility/2006">
-        <mc:Choice xmlns:a14="http://schemas.microsoft.com/office/drawing/2010/main" Requires="a14">
+      <mc:AlternateContent xmlns:mc="http://schemas.openxmlformats.org/markup-compatibility/2006" xmlns:a14="http://schemas.microsoft.com/office/drawing/2010/main">
+        <mc:Choice Requires="a14">
           <p:sp>
             <p:nvSpPr>
               <p:cNvPr id="34" name="TextBox 33">
@@ -13993,19 +15477,7 @@
                           <a:cs typeface="+mn-ea"/>
                           <a:sym typeface="+mn-lt"/>
                         </a:rPr>
-                        <m:t>𝑤𝑇</m:t>
-                      </m:r>
-                      <m:r>
-                        <a:rPr lang="en-US" sz="1200" i="1" kern="0">
-                          <a:solidFill>
-                            <a:srgbClr val="E73A1C"/>
-                          </a:solidFill>
-                          <a:latin typeface="Cambria Math" panose="02040503050406030204" pitchFamily="18" charset="0"/>
-                          <a:ea typeface="微软雅黑" panose="020B0503020204020204" pitchFamily="34" charset="-122"/>
-                          <a:cs typeface="+mn-ea"/>
-                          <a:sym typeface="+mn-lt"/>
-                        </a:rPr>
-                        <m:t>𝑥</m:t>
+                        <m:t>𝑤𝑇𝑥</m:t>
                       </m:r>
                       <m:r>
                         <a:rPr lang="en-US" sz="1200" kern="0">
@@ -14047,7 +15519,7 @@
             </p:txBody>
           </p:sp>
         </mc:Choice>
-        <mc:Fallback>
+        <mc:Fallback xmlns="">
           <p:sp>
             <p:nvSpPr>
               <p:cNvPr id="34" name="TextBox 33">
@@ -14092,8 +15564,8 @@
           </p:sp>
         </mc:Fallback>
       </mc:AlternateContent>
-      <mc:AlternateContent xmlns:mc="http://schemas.openxmlformats.org/markup-compatibility/2006">
-        <mc:Choice xmlns:a14="http://schemas.microsoft.com/office/drawing/2010/main" Requires="a14">
+      <mc:AlternateContent xmlns:mc="http://schemas.openxmlformats.org/markup-compatibility/2006" xmlns:a14="http://schemas.microsoft.com/office/drawing/2010/main">
+        <mc:Choice Requires="a14">
           <p:sp>
             <p:nvSpPr>
               <p:cNvPr id="35" name="Rectangle 34">
@@ -14207,7 +15679,7 @@
             </p:txBody>
           </p:sp>
         </mc:Choice>
-        <mc:Fallback>
+        <mc:Fallback xmlns="">
           <p:sp>
             <p:nvSpPr>
               <p:cNvPr id="35" name="Rectangle 34">
@@ -14287,8 +15759,8 @@
           <a:effectLst/>
         </p:spPr>
       </p:cxnSp>
-      <mc:AlternateContent xmlns:mc="http://schemas.openxmlformats.org/markup-compatibility/2006">
-        <mc:Choice xmlns:a14="http://schemas.microsoft.com/office/drawing/2010/main" Requires="a14">
+      <mc:AlternateContent xmlns:mc="http://schemas.openxmlformats.org/markup-compatibility/2006" xmlns:a14="http://schemas.microsoft.com/office/drawing/2010/main">
+        <mc:Choice Requires="a14">
           <p:sp>
             <p:nvSpPr>
               <p:cNvPr id="37" name="Rectangle 36">
@@ -14402,7 +15874,7 @@
             </p:txBody>
           </p:sp>
         </mc:Choice>
-        <mc:Fallback>
+        <mc:Fallback xmlns="">
           <p:sp>
             <p:nvSpPr>
               <p:cNvPr id="37" name="Rectangle 36">
@@ -14483,10 +15955,1248 @@
           <a:effectLst/>
         </p:spPr>
       </p:cxnSp>
+      <p:grpSp>
+        <p:nvGrpSpPr>
+          <p:cNvPr id="47" name="Group 46">
+            <a:extLst>
+              <a:ext uri="{FF2B5EF4-FFF2-40B4-BE49-F238E27FC236}">
+                <a16:creationId xmlns:a16="http://schemas.microsoft.com/office/drawing/2014/main" id="{D929356C-36AC-C547-A345-3050A09D7F75}"/>
+              </a:ext>
+            </a:extLst>
+          </p:cNvPr>
+          <p:cNvGrpSpPr>
+            <a:grpSpLocks noChangeAspect="1"/>
+          </p:cNvGrpSpPr>
+          <p:nvPr/>
+        </p:nvGrpSpPr>
+        <p:grpSpPr>
+          <a:xfrm>
+            <a:off x="2811657" y="4728345"/>
+            <a:ext cx="6998283" cy="1275458"/>
+            <a:chOff x="3360126" y="3971848"/>
+            <a:chExt cx="5764444" cy="1050587"/>
+          </a:xfrm>
+        </p:grpSpPr>
+        <p:grpSp>
+          <p:nvGrpSpPr>
+            <p:cNvPr id="48" name="Group 47">
+              <a:extLst>
+                <a:ext uri="{FF2B5EF4-FFF2-40B4-BE49-F238E27FC236}">
+                  <a16:creationId xmlns:a16="http://schemas.microsoft.com/office/drawing/2014/main" id="{7649A827-5AE9-974F-863C-44757862CB2F}"/>
+                </a:ext>
+              </a:extLst>
+            </p:cNvPr>
+            <p:cNvGrpSpPr/>
+            <p:nvPr/>
+          </p:nvGrpSpPr>
+          <p:grpSpPr>
+            <a:xfrm>
+              <a:off x="3360126" y="4324980"/>
+              <a:ext cx="2735874" cy="328935"/>
+              <a:chOff x="7237110" y="4273903"/>
+              <a:chExt cx="2735874" cy="328935"/>
+            </a:xfrm>
+          </p:grpSpPr>
+          <p:sp>
+            <p:nvSpPr>
+              <p:cNvPr id="53" name="Intelligent Information Retrieval Laboratory">
+                <a:extLst>
+                  <a:ext uri="{FF2B5EF4-FFF2-40B4-BE49-F238E27FC236}">
+                    <a16:creationId xmlns:a16="http://schemas.microsoft.com/office/drawing/2014/main" id="{2FE4BFB1-900B-F84F-8C6F-D100F305FD60}"/>
+                  </a:ext>
+                </a:extLst>
+              </p:cNvPr>
+              <p:cNvSpPr txBox="1"/>
+              <p:nvPr/>
+            </p:nvSpPr>
+            <p:spPr>
+              <a:xfrm>
+                <a:off x="7237110" y="4273903"/>
+                <a:ext cx="2590800" cy="328935"/>
+              </a:xfrm>
+              <a:prstGeom prst="rect">
+                <a:avLst/>
+              </a:prstGeom>
+              <a:noFill/>
+              <a:ln w="12700" cap="flat">
+                <a:noFill/>
+                <a:miter lim="400000"/>
+              </a:ln>
+              <a:effectLst/>
+              <a:extLst>
+                <a:ext uri="{C572A759-6A51-4108-AA02-DFA0A04FC94B}">
+                  <ma14:wrappingTextBoxFlag xmlns="" xmlns:m="http://schemas.openxmlformats.org/officeDocument/2006/math" xmlns:a14="http://schemas.microsoft.com/office/drawing/2010/main" xmlns:ma14="http://schemas.microsoft.com/office/mac/drawingml/2011/main" val="1"/>
+                </a:ext>
+              </a:extLst>
+            </p:spPr>
+            <p:txBody>
+              <a:bodyPr wrap="square" lIns="71437" tIns="71437" rIns="71437" bIns="71437" numCol="1" anchor="ctr">
+                <a:spAutoFit/>
+              </a:bodyPr>
+              <a:lstStyle>
+                <a:lvl1pPr algn="l" defTabSz="821531">
+                  <a:defRPr sz="2400" b="0">
+                    <a:solidFill>
+                      <a:srgbClr val="FFFFFF"/>
+                    </a:solidFill>
+                    <a:latin typeface="Helvetica Neue Bold Condensed"/>
+                    <a:ea typeface="Helvetica Neue Bold Condensed"/>
+                    <a:cs typeface="Helvetica Neue Bold Condensed"/>
+                    <a:sym typeface="Helvetica Neue Bold Condensed"/>
+                  </a:defRPr>
+                </a:lvl1pPr>
+              </a:lstStyle>
+              <a:p>
+                <a:r>
+                  <a:rPr kumimoji="0" lang="zh-TW" altLang="en-US" sz="1050" b="0" i="0" u="none" strike="noStrike" cap="none" spc="0" normalizeH="0" baseline="0" dirty="0">
+                    <a:ln>
+                      <a:noFill/>
+                    </a:ln>
+                    <a:solidFill>
+                      <a:schemeClr val="tx1">
+                        <a:alpha val="15000"/>
+                      </a:schemeClr>
+                    </a:solidFill>
+                    <a:effectLst/>
+                    <a:uFillTx/>
+                    <a:latin typeface="Helvetica Neue Bold Condensed"/>
+                    <a:ea typeface="Helvetica Neue Bold Condensed"/>
+                    <a:cs typeface="Helvetica Neue Bold Condensed"/>
+                    <a:sym typeface="Helvetica Neue Bold Condensed"/>
+                  </a:rPr>
+                  <a:t>第</a:t>
+                </a:r>
+                <a:r>
+                  <a:rPr kumimoji="0" lang="en-US" altLang="zh-TW" sz="1050" b="0" i="0" u="none" strike="noStrike" cap="none" spc="0" normalizeH="0" baseline="0" dirty="0">
+                    <a:ln>
+                      <a:noFill/>
+                    </a:ln>
+                    <a:solidFill>
+                      <a:schemeClr val="tx1">
+                        <a:alpha val="15000"/>
+                      </a:schemeClr>
+                    </a:solidFill>
+                    <a:effectLst/>
+                    <a:uFillTx/>
+                    <a:latin typeface="Helvetica Neue Bold Condensed"/>
+                    <a:ea typeface="Helvetica Neue Bold Condensed"/>
+                    <a:cs typeface="Helvetica Neue Bold Condensed"/>
+                    <a:sym typeface="Helvetica Neue Bold Condensed"/>
+                  </a:rPr>
+                  <a:t>13</a:t>
+                </a:r>
+                <a:r>
+                  <a:rPr kumimoji="0" lang="zh-TW" altLang="en-US" sz="1050" b="0" i="0" u="none" strike="noStrike" cap="none" spc="0" normalizeH="0" baseline="0" dirty="0">
+                    <a:ln>
+                      <a:noFill/>
+                    </a:ln>
+                    <a:solidFill>
+                      <a:schemeClr val="tx1">
+                        <a:alpha val="15000"/>
+                      </a:schemeClr>
+                    </a:solidFill>
+                    <a:effectLst/>
+                    <a:uFillTx/>
+                    <a:latin typeface="Helvetica Neue Bold Condensed"/>
+                    <a:ea typeface="Helvetica Neue Bold Condensed"/>
+                    <a:cs typeface="Helvetica Neue Bold Condensed"/>
+                    <a:sym typeface="Helvetica Neue Bold Condensed"/>
+                  </a:rPr>
+                  <a:t>屆 </a:t>
+                </a:r>
+                <a:r>
+                  <a:rPr kumimoji="0" lang="en-US" sz="1200" b="0" i="0" u="none" strike="noStrike" cap="none" spc="0" normalizeH="0" baseline="0" dirty="0">
+                    <a:ln>
+                      <a:noFill/>
+                    </a:ln>
+                    <a:solidFill>
+                      <a:schemeClr val="tx1">
+                        <a:alpha val="15000"/>
+                      </a:schemeClr>
+                    </a:solidFill>
+                    <a:effectLst/>
+                    <a:uFillTx/>
+                    <a:latin typeface="Helvetica Neue Bold Condensed"/>
+                    <a:ea typeface="Helvetica Neue Bold Condensed"/>
+                    <a:cs typeface="Helvetica Neue Bold Condensed"/>
+                    <a:sym typeface="Helvetica Neue Bold Condensed"/>
+                  </a:rPr>
+                  <a:t>iT</a:t>
+                </a:r>
+                <a:r>
+                  <a:rPr kumimoji="0" lang="zh-TW" altLang="en-US" sz="1100" b="0" i="0" u="none" strike="noStrike" cap="none" spc="0" normalizeH="0" baseline="0" dirty="0">
+                    <a:ln>
+                      <a:noFill/>
+                    </a:ln>
+                    <a:solidFill>
+                      <a:schemeClr val="tx1">
+                        <a:alpha val="15000"/>
+                      </a:schemeClr>
+                    </a:solidFill>
+                    <a:effectLst/>
+                    <a:uFillTx/>
+                    <a:latin typeface="Helvetica Neue Bold Condensed"/>
+                    <a:ea typeface="Helvetica Neue Bold Condensed"/>
+                    <a:cs typeface="Helvetica Neue Bold Condensed"/>
+                    <a:sym typeface="Helvetica Neue Bold Condensed"/>
+                  </a:rPr>
+                  <a:t>邦</a:t>
+                </a:r>
+                <a:r>
+                  <a:rPr kumimoji="0" lang="zh-TW" altLang="en-US" sz="1000" b="0" i="0" u="none" strike="noStrike" cap="none" spc="0" normalizeH="0" baseline="0" dirty="0">
+                    <a:ln>
+                      <a:noFill/>
+                    </a:ln>
+                    <a:solidFill>
+                      <a:schemeClr val="tx1">
+                        <a:alpha val="15000"/>
+                      </a:schemeClr>
+                    </a:solidFill>
+                    <a:effectLst/>
+                    <a:uFillTx/>
+                    <a:latin typeface="Helvetica Neue Bold Condensed"/>
+                    <a:ea typeface="Helvetica Neue Bold Condensed"/>
+                    <a:cs typeface="Helvetica Neue Bold Condensed"/>
+                    <a:sym typeface="Helvetica Neue Bold Condensed"/>
+                  </a:rPr>
+                  <a:t>幫忙</a:t>
+                </a:r>
+                <a:r>
+                  <a:rPr kumimoji="0" lang="zh-TW" altLang="en-US" sz="1100" b="0" i="0" u="none" strike="noStrike" cap="none" spc="0" normalizeH="0" baseline="0" dirty="0">
+                    <a:ln>
+                      <a:noFill/>
+                    </a:ln>
+                    <a:solidFill>
+                      <a:schemeClr val="tx1">
+                        <a:alpha val="15000"/>
+                      </a:schemeClr>
+                    </a:solidFill>
+                    <a:effectLst/>
+                    <a:uFillTx/>
+                    <a:latin typeface="Helvetica Neue Bold Condensed"/>
+                    <a:ea typeface="Helvetica Neue Bold Condensed"/>
+                    <a:cs typeface="Helvetica Neue Bold Condensed"/>
+                    <a:sym typeface="Helvetica Neue Bold Condensed"/>
+                  </a:rPr>
+                  <a:t> 鐵人賽</a:t>
+                </a:r>
+                <a:endParaRPr sz="1100" dirty="0">
+                  <a:solidFill>
+                    <a:schemeClr val="tx1">
+                      <a:alpha val="15000"/>
+                    </a:schemeClr>
+                  </a:solidFill>
+                </a:endParaRPr>
+              </a:p>
+            </p:txBody>
+          </p:sp>
+          <p:sp>
+            <p:nvSpPr>
+              <p:cNvPr id="54" name="Intelligent Information Retrieval Laboratory">
+                <a:extLst>
+                  <a:ext uri="{FF2B5EF4-FFF2-40B4-BE49-F238E27FC236}">
+                    <a16:creationId xmlns:a16="http://schemas.microsoft.com/office/drawing/2014/main" id="{36703DFA-1B89-D941-A26C-DBBC41667817}"/>
+                  </a:ext>
+                </a:extLst>
+              </p:cNvPr>
+              <p:cNvSpPr txBox="1"/>
+              <p:nvPr/>
+            </p:nvSpPr>
+            <p:spPr>
+              <a:xfrm>
+                <a:off x="8753784" y="4289292"/>
+                <a:ext cx="1219200" cy="313546"/>
+              </a:xfrm>
+              <a:prstGeom prst="rect">
+                <a:avLst/>
+              </a:prstGeom>
+              <a:noFill/>
+              <a:ln w="12700" cap="flat">
+                <a:noFill/>
+                <a:miter lim="400000"/>
+              </a:ln>
+              <a:effectLst/>
+              <a:extLst>
+                <a:ext uri="{C572A759-6A51-4108-AA02-DFA0A04FC94B}">
+                  <ma14:wrappingTextBoxFlag xmlns="" xmlns:m="http://schemas.openxmlformats.org/officeDocument/2006/math" xmlns:a14="http://schemas.microsoft.com/office/drawing/2010/main" xmlns:ma14="http://schemas.microsoft.com/office/mac/drawingml/2011/main" val="1"/>
+                </a:ext>
+              </a:extLst>
+            </p:spPr>
+            <p:txBody>
+              <a:bodyPr wrap="square" lIns="71437" tIns="71437" rIns="71437" bIns="71437" numCol="1" anchor="ctr">
+                <a:spAutoFit/>
+              </a:bodyPr>
+              <a:lstStyle>
+                <a:lvl1pPr algn="l" defTabSz="821531">
+                  <a:defRPr sz="2400" b="0">
+                    <a:solidFill>
+                      <a:srgbClr val="FFFFFF"/>
+                    </a:solidFill>
+                    <a:latin typeface="Helvetica Neue Bold Condensed"/>
+                    <a:ea typeface="Helvetica Neue Bold Condensed"/>
+                    <a:cs typeface="Helvetica Neue Bold Condensed"/>
+                    <a:sym typeface="Helvetica Neue Bold Condensed"/>
+                  </a:defRPr>
+                </a:lvl1pPr>
+              </a:lstStyle>
+              <a:p>
+                <a:r>
+                  <a:rPr kumimoji="0" lang="en-US" altLang="zh-TW" sz="1050" b="0" i="0" u="none" strike="noStrike" cap="none" spc="0" normalizeH="0" baseline="0" dirty="0">
+                    <a:ln>
+                      <a:noFill/>
+                    </a:ln>
+                    <a:solidFill>
+                      <a:schemeClr val="tx1">
+                        <a:alpha val="15000"/>
+                      </a:schemeClr>
+                    </a:solidFill>
+                    <a:effectLst/>
+                    <a:uFillTx/>
+                    <a:latin typeface="Helvetica Neue Bold Condensed"/>
+                    <a:ea typeface="Helvetica Neue Bold Condensed"/>
+                    <a:cs typeface="Helvetica Neue Bold Condensed"/>
+                    <a:sym typeface="Helvetica Neue Bold Condensed"/>
+                  </a:rPr>
+                  <a:t>AI &amp; Data </a:t>
+                </a:r>
+                <a:r>
+                  <a:rPr kumimoji="0" lang="zh-TW" altLang="en-US" sz="1050" b="0" i="0" u="none" strike="noStrike" cap="none" spc="0" normalizeH="0" baseline="0" dirty="0">
+                    <a:ln>
+                      <a:noFill/>
+                    </a:ln>
+                    <a:solidFill>
+                      <a:schemeClr val="tx1">
+                        <a:alpha val="15000"/>
+                      </a:schemeClr>
+                    </a:solidFill>
+                    <a:effectLst/>
+                    <a:uFillTx/>
+                    <a:latin typeface="Helvetica Neue Bold Condensed"/>
+                    <a:ea typeface="Helvetica Neue Bold Condensed"/>
+                    <a:cs typeface="Helvetica Neue Bold Condensed"/>
+                    <a:sym typeface="Helvetica Neue Bold Condensed"/>
+                  </a:rPr>
+                  <a:t>組</a:t>
+                </a:r>
+                <a:endParaRPr sz="1100" dirty="0">
+                  <a:solidFill>
+                    <a:schemeClr val="tx1">
+                      <a:alpha val="15000"/>
+                    </a:schemeClr>
+                  </a:solidFill>
+                </a:endParaRPr>
+              </a:p>
+            </p:txBody>
+          </p:sp>
+        </p:grpSp>
+        <p:grpSp>
+          <p:nvGrpSpPr>
+            <p:cNvPr id="49" name="Group 48">
+              <a:extLst>
+                <a:ext uri="{FF2B5EF4-FFF2-40B4-BE49-F238E27FC236}">
+                  <a16:creationId xmlns:a16="http://schemas.microsoft.com/office/drawing/2014/main" id="{21DC76E2-FC03-FF48-807A-43D3C1B2327E}"/>
+                </a:ext>
+              </a:extLst>
+            </p:cNvPr>
+            <p:cNvGrpSpPr/>
+            <p:nvPr/>
+          </p:nvGrpSpPr>
+          <p:grpSpPr>
+            <a:xfrm>
+              <a:off x="7247835" y="3971848"/>
+              <a:ext cx="1876735" cy="1050587"/>
+              <a:chOff x="3891792" y="3940042"/>
+              <a:chExt cx="1876735" cy="1050587"/>
+            </a:xfrm>
+          </p:grpSpPr>
+          <p:pic>
+            <p:nvPicPr>
+              <p:cNvPr id="50" name="Picture 49">
+                <a:extLst>
+                  <a:ext uri="{FF2B5EF4-FFF2-40B4-BE49-F238E27FC236}">
+                    <a16:creationId xmlns:a16="http://schemas.microsoft.com/office/drawing/2014/main" id="{27A0A343-4BB0-DC46-9AD9-71E555ABB103}"/>
+                  </a:ext>
+                </a:extLst>
+              </p:cNvPr>
+              <p:cNvPicPr>
+                <a:picLocks noChangeAspect="1" noChangeArrowheads="1"/>
+              </p:cNvPicPr>
+              <p:nvPr/>
+            </p:nvPicPr>
+            <p:blipFill>
+              <a:blip r:embed="rId5">
+                <a:duotone>
+                  <a:prstClr val="black"/>
+                  <a:schemeClr val="tx1">
+                    <a:tint val="45000"/>
+                    <a:satMod val="400000"/>
+                  </a:schemeClr>
+                </a:duotone>
+                <a:alphaModFix amt="20000"/>
+              </a:blip>
+              <a:srcRect/>
+              <a:stretch/>
+            </p:blipFill>
+            <p:spPr bwMode="auto">
+              <a:xfrm>
+                <a:off x="4489805" y="3940042"/>
+                <a:ext cx="1050587" cy="1050587"/>
+              </a:xfrm>
+              <a:prstGeom prst="rect">
+                <a:avLst/>
+              </a:prstGeom>
+              <a:noFill/>
+              <a:extLst>
+                <a:ext uri="{909E8E84-426E-40DD-AFC4-6F175D3DCCD1}">
+                  <a14:hiddenFill xmlns:a14="http://schemas.microsoft.com/office/drawing/2010/main">
+                    <a:solidFill>
+                      <a:srgbClr val="FFFFFF"/>
+                    </a:solidFill>
+                  </a14:hiddenFill>
+                </a:ext>
+              </a:extLst>
+            </p:spPr>
+          </p:pic>
+          <p:pic>
+            <p:nvPicPr>
+              <p:cNvPr id="51" name="Picture 4" descr="Youtube logo | Logok">
+                <a:extLst>
+                  <a:ext uri="{FF2B5EF4-FFF2-40B4-BE49-F238E27FC236}">
+                    <a16:creationId xmlns:a16="http://schemas.microsoft.com/office/drawing/2014/main" id="{AA8D68C9-B5FF-2B42-8BEA-A79E191929D6}"/>
+                  </a:ext>
+                </a:extLst>
+              </p:cNvPr>
+              <p:cNvPicPr>
+                <a:picLocks noChangeAspect="1" noChangeArrowheads="1"/>
+              </p:cNvPicPr>
+              <p:nvPr/>
+            </p:nvPicPr>
+            <p:blipFill>
+              <a:blip r:embed="rId6">
+                <a:alphaModFix amt="20000"/>
+                <a:extLst>
+                  <a:ext uri="{28A0092B-C50C-407E-A947-70E740481C1C}">
+                    <a14:useLocalDpi xmlns:a14="http://schemas.microsoft.com/office/drawing/2010/main" val="0"/>
+                  </a:ext>
+                </a:extLst>
+              </a:blip>
+              <a:srcRect/>
+              <a:stretch>
+                <a:fillRect/>
+              </a:stretch>
+            </p:blipFill>
+            <p:spPr bwMode="auto">
+              <a:xfrm>
+                <a:off x="3891792" y="4187926"/>
+                <a:ext cx="739756" cy="554817"/>
+              </a:xfrm>
+              <a:prstGeom prst="rect">
+                <a:avLst/>
+              </a:prstGeom>
+              <a:noFill/>
+              <a:extLst>
+                <a:ext uri="{909E8E84-426E-40DD-AFC4-6F175D3DCCD1}">
+                  <a14:hiddenFill xmlns:a14="http://schemas.microsoft.com/office/drawing/2010/main">
+                    <a:solidFill>
+                      <a:srgbClr val="FFFFFF"/>
+                    </a:solidFill>
+                  </a14:hiddenFill>
+                </a:ext>
+              </a:extLst>
+            </p:spPr>
+          </p:pic>
+          <p:sp>
+            <p:nvSpPr>
+              <p:cNvPr id="52" name="Intelligent Information Retrieval Laboratory">
+                <a:extLst>
+                  <a:ext uri="{FF2B5EF4-FFF2-40B4-BE49-F238E27FC236}">
+                    <a16:creationId xmlns:a16="http://schemas.microsoft.com/office/drawing/2014/main" id="{F9DC752B-F298-3D45-A204-1D0B7D8C96ED}"/>
+                  </a:ext>
+                </a:extLst>
+              </p:cNvPr>
+              <p:cNvSpPr txBox="1"/>
+              <p:nvPr/>
+            </p:nvSpPr>
+            <p:spPr>
+              <a:xfrm>
+                <a:off x="4549327" y="4308601"/>
+                <a:ext cx="1219200" cy="328935"/>
+              </a:xfrm>
+              <a:prstGeom prst="rect">
+                <a:avLst/>
+              </a:prstGeom>
+              <a:noFill/>
+              <a:ln w="12700" cap="flat">
+                <a:noFill/>
+                <a:miter lim="400000"/>
+              </a:ln>
+              <a:effectLst/>
+              <a:extLst>
+                <a:ext uri="{C572A759-6A51-4108-AA02-DFA0A04FC94B}">
+                  <ma14:wrappingTextBoxFlag xmlns="" xmlns:m="http://schemas.openxmlformats.org/officeDocument/2006/math" xmlns:a14="http://schemas.microsoft.com/office/drawing/2010/main" xmlns:ma14="http://schemas.microsoft.com/office/mac/drawingml/2011/main" val="1"/>
+                </a:ext>
+              </a:extLst>
+            </p:spPr>
+            <p:txBody>
+              <a:bodyPr wrap="square" lIns="71437" tIns="71437" rIns="71437" bIns="71437" numCol="1" anchor="ctr">
+                <a:spAutoFit/>
+              </a:bodyPr>
+              <a:lstStyle>
+                <a:lvl1pPr algn="l" defTabSz="821531">
+                  <a:defRPr sz="2400" b="0">
+                    <a:solidFill>
+                      <a:srgbClr val="FFFFFF"/>
+                    </a:solidFill>
+                    <a:latin typeface="Helvetica Neue Bold Condensed"/>
+                    <a:ea typeface="Helvetica Neue Bold Condensed"/>
+                    <a:cs typeface="Helvetica Neue Bold Condensed"/>
+                    <a:sym typeface="Helvetica Neue Bold Condensed"/>
+                  </a:defRPr>
+                </a:lvl1pPr>
+              </a:lstStyle>
+              <a:p>
+                <a:r>
+                  <a:rPr kumimoji="0" lang="en-US" altLang="zh-TW" sz="1200" b="0" i="0" u="none" strike="noStrike" cap="none" spc="0" normalizeH="0" baseline="0" dirty="0">
+                    <a:ln>
+                      <a:noFill/>
+                    </a:ln>
+                    <a:solidFill>
+                      <a:schemeClr val="tx1">
+                        <a:alpha val="15000"/>
+                      </a:schemeClr>
+                    </a:solidFill>
+                    <a:effectLst/>
+                    <a:uFillTx/>
+                    <a:latin typeface="Helvetica Neue Bold Condensed"/>
+                    <a:ea typeface="Helvetica Neue Bold Condensed"/>
+                    <a:cs typeface="Helvetica Neue Bold Condensed"/>
+                    <a:sym typeface="Helvetica Neue Bold Condensed"/>
+                  </a:rPr>
+                  <a:t>10</a:t>
+                </a:r>
+                <a:r>
+                  <a:rPr kumimoji="0" lang="zh-TW" altLang="en-US" sz="1200" b="0" i="0" u="none" strike="noStrike" cap="none" spc="0" normalizeH="0" baseline="0" dirty="0">
+                    <a:ln>
+                      <a:noFill/>
+                    </a:ln>
+                    <a:solidFill>
+                      <a:schemeClr val="tx1">
+                        <a:alpha val="15000"/>
+                      </a:schemeClr>
+                    </a:solidFill>
+                    <a:effectLst/>
+                    <a:uFillTx/>
+                    <a:sym typeface="Helvetica Neue Bold Condensed"/>
+                  </a:rPr>
+                  <a:t>程式中</a:t>
+                </a:r>
+                <a:endParaRPr sz="1400" dirty="0">
+                  <a:solidFill>
+                    <a:schemeClr val="tx1">
+                      <a:alpha val="15000"/>
+                    </a:schemeClr>
+                  </a:solidFill>
+                </a:endParaRPr>
+              </a:p>
+            </p:txBody>
+          </p:sp>
+        </p:grpSp>
+      </p:grpSp>
     </p:spTree>
     <p:extLst>
       <p:ext uri="{BB962C8B-B14F-4D97-AF65-F5344CB8AC3E}">
         <p14:creationId xmlns:p14="http://schemas.microsoft.com/office/powerpoint/2010/main" val="996213561"/>
+      </p:ext>
+    </p:extLst>
+  </p:cSld>
+  <p:clrMapOvr>
+    <a:masterClrMapping/>
+  </p:clrMapOvr>
+</p:sld>
+</file>
+
+<file path=ppt/slides/slide5.xml><?xml version="1.0" encoding="utf-8"?>
+<p:sld xmlns:a="http://schemas.openxmlformats.org/drawingml/2006/main" xmlns:r="http://schemas.openxmlformats.org/officeDocument/2006/relationships" xmlns:p="http://schemas.openxmlformats.org/presentationml/2006/main">
+  <p:cSld>
+    <p:spTree>
+      <p:nvGrpSpPr>
+        <p:cNvPr id="1" name=""/>
+        <p:cNvGrpSpPr/>
+        <p:nvPr/>
+      </p:nvGrpSpPr>
+      <p:grpSpPr>
+        <a:xfrm>
+          <a:off x="0" y="0"/>
+          <a:ext cx="0" cy="0"/>
+          <a:chOff x="0" y="0"/>
+          <a:chExt cx="0" cy="0"/>
+        </a:xfrm>
+      </p:grpSpPr>
+      <p:pic>
+        <p:nvPicPr>
+          <p:cNvPr id="2" name="Picture 1">
+            <a:extLst>
+              <a:ext uri="{FF2B5EF4-FFF2-40B4-BE49-F238E27FC236}">
+                <a16:creationId xmlns:a16="http://schemas.microsoft.com/office/drawing/2014/main" id="{ADDF360F-16EA-4544-859B-B4C3ABE6F848}"/>
+              </a:ext>
+            </a:extLst>
+          </p:cNvPr>
+          <p:cNvPicPr>
+            <a:picLocks noChangeAspect="1"/>
+          </p:cNvPicPr>
+          <p:nvPr/>
+        </p:nvPicPr>
+        <p:blipFill>
+          <a:blip r:embed="rId2"/>
+          <a:stretch>
+            <a:fillRect/>
+          </a:stretch>
+        </p:blipFill>
+        <p:spPr>
+          <a:xfrm>
+            <a:off x="2233309" y="876300"/>
+            <a:ext cx="3509962" cy="2552700"/>
+          </a:xfrm>
+          <a:prstGeom prst="rect">
+            <a:avLst/>
+          </a:prstGeom>
+        </p:spPr>
+      </p:pic>
+      <p:pic>
+        <p:nvPicPr>
+          <p:cNvPr id="3" name="Picture 2">
+            <a:extLst>
+              <a:ext uri="{FF2B5EF4-FFF2-40B4-BE49-F238E27FC236}">
+                <a16:creationId xmlns:a16="http://schemas.microsoft.com/office/drawing/2014/main" id="{318BC6DB-8101-DB44-975E-4AF015D859C1}"/>
+              </a:ext>
+            </a:extLst>
+          </p:cNvPr>
+          <p:cNvPicPr>
+            <a:picLocks noChangeAspect="1"/>
+          </p:cNvPicPr>
+          <p:nvPr/>
+        </p:nvPicPr>
+        <p:blipFill>
+          <a:blip r:embed="rId3"/>
+          <a:stretch>
+            <a:fillRect/>
+          </a:stretch>
+        </p:blipFill>
+        <p:spPr>
+          <a:xfrm>
+            <a:off x="6186303" y="828109"/>
+            <a:ext cx="3547452" cy="2588192"/>
+          </a:xfrm>
+          <a:prstGeom prst="rect">
+            <a:avLst/>
+          </a:prstGeom>
+        </p:spPr>
+      </p:pic>
+      <p:pic>
+        <p:nvPicPr>
+          <p:cNvPr id="4" name="Picture 3">
+            <a:extLst>
+              <a:ext uri="{FF2B5EF4-FFF2-40B4-BE49-F238E27FC236}">
+                <a16:creationId xmlns:a16="http://schemas.microsoft.com/office/drawing/2014/main" id="{2B95E1C1-FCD6-7D4A-B2DD-C77608025644}"/>
+              </a:ext>
+            </a:extLst>
+          </p:cNvPr>
+          <p:cNvPicPr>
+            <a:picLocks noChangeAspect="1"/>
+          </p:cNvPicPr>
+          <p:nvPr/>
+        </p:nvPicPr>
+        <p:blipFill>
+          <a:blip r:embed="rId4"/>
+          <a:stretch>
+            <a:fillRect/>
+          </a:stretch>
+        </p:blipFill>
+        <p:spPr>
+          <a:xfrm>
+            <a:off x="2258709" y="3395119"/>
+            <a:ext cx="3474000" cy="2614454"/>
+          </a:xfrm>
+          <a:prstGeom prst="rect">
+            <a:avLst/>
+          </a:prstGeom>
+        </p:spPr>
+      </p:pic>
+      <p:pic>
+        <p:nvPicPr>
+          <p:cNvPr id="5" name="Picture 4">
+            <a:extLst>
+              <a:ext uri="{FF2B5EF4-FFF2-40B4-BE49-F238E27FC236}">
+                <a16:creationId xmlns:a16="http://schemas.microsoft.com/office/drawing/2014/main" id="{8855472E-4DF6-D849-B1C5-414F23D5470E}"/>
+              </a:ext>
+            </a:extLst>
+          </p:cNvPr>
+          <p:cNvPicPr>
+            <a:picLocks noChangeAspect="1"/>
+          </p:cNvPicPr>
+          <p:nvPr/>
+        </p:nvPicPr>
+        <p:blipFill>
+          <a:blip r:embed="rId5"/>
+          <a:stretch>
+            <a:fillRect/>
+          </a:stretch>
+        </p:blipFill>
+        <p:spPr>
+          <a:xfrm>
+            <a:off x="6175741" y="3454399"/>
+            <a:ext cx="3558014" cy="2546599"/>
+          </a:xfrm>
+          <a:prstGeom prst="rect">
+            <a:avLst/>
+          </a:prstGeom>
+        </p:spPr>
+      </p:pic>
+      <p:grpSp>
+        <p:nvGrpSpPr>
+          <p:cNvPr id="22" name="Group 21">
+            <a:extLst>
+              <a:ext uri="{FF2B5EF4-FFF2-40B4-BE49-F238E27FC236}">
+                <a16:creationId xmlns:a16="http://schemas.microsoft.com/office/drawing/2014/main" id="{852F4AF7-2DEB-6241-85B0-30E3A3920BE4}"/>
+              </a:ext>
+            </a:extLst>
+          </p:cNvPr>
+          <p:cNvGrpSpPr>
+            <a:grpSpLocks noChangeAspect="1"/>
+          </p:cNvGrpSpPr>
+          <p:nvPr/>
+        </p:nvGrpSpPr>
+        <p:grpSpPr>
+          <a:xfrm>
+            <a:off x="1600512" y="5459663"/>
+            <a:ext cx="9445134" cy="1721404"/>
+            <a:chOff x="3360126" y="3971848"/>
+            <a:chExt cx="5764444" cy="1050587"/>
+          </a:xfrm>
+        </p:grpSpPr>
+        <p:grpSp>
+          <p:nvGrpSpPr>
+            <p:cNvPr id="23" name="Group 22">
+              <a:extLst>
+                <a:ext uri="{FF2B5EF4-FFF2-40B4-BE49-F238E27FC236}">
+                  <a16:creationId xmlns:a16="http://schemas.microsoft.com/office/drawing/2014/main" id="{54EAE71E-41FD-F24A-A6A3-318D6B1CD04E}"/>
+                </a:ext>
+              </a:extLst>
+            </p:cNvPr>
+            <p:cNvGrpSpPr/>
+            <p:nvPr/>
+          </p:nvGrpSpPr>
+          <p:grpSpPr>
+            <a:xfrm>
+              <a:off x="3360126" y="4370288"/>
+              <a:ext cx="2735874" cy="238320"/>
+              <a:chOff x="7237110" y="4319211"/>
+              <a:chExt cx="2735874" cy="238320"/>
+            </a:xfrm>
+          </p:grpSpPr>
+          <p:sp>
+            <p:nvSpPr>
+              <p:cNvPr id="28" name="Intelligent Information Retrieval Laboratory">
+                <a:extLst>
+                  <a:ext uri="{FF2B5EF4-FFF2-40B4-BE49-F238E27FC236}">
+                    <a16:creationId xmlns:a16="http://schemas.microsoft.com/office/drawing/2014/main" id="{EDAF8511-6B56-D547-86EA-5B6BE3598DA6}"/>
+                  </a:ext>
+                </a:extLst>
+              </p:cNvPr>
+              <p:cNvSpPr txBox="1"/>
+              <p:nvPr/>
+            </p:nvSpPr>
+            <p:spPr>
+              <a:xfrm>
+                <a:off x="7237110" y="4319211"/>
+                <a:ext cx="2590800" cy="238320"/>
+              </a:xfrm>
+              <a:prstGeom prst="rect">
+                <a:avLst/>
+              </a:prstGeom>
+              <a:noFill/>
+              <a:ln w="12700" cap="flat">
+                <a:noFill/>
+                <a:miter lim="400000"/>
+              </a:ln>
+              <a:effectLst/>
+              <a:extLst>
+                <a:ext uri="{C572A759-6A51-4108-AA02-DFA0A04FC94B}">
+                  <ma14:wrappingTextBoxFlag xmlns="" xmlns:m="http://schemas.openxmlformats.org/officeDocument/2006/math" xmlns:a14="http://schemas.microsoft.com/office/drawing/2010/main" xmlns:ma14="http://schemas.microsoft.com/office/mac/drawingml/2011/main" val="1"/>
+                </a:ext>
+              </a:extLst>
+            </p:spPr>
+            <p:txBody>
+              <a:bodyPr wrap="square" lIns="71437" tIns="71437" rIns="71437" bIns="71437" numCol="1" anchor="ctr">
+                <a:spAutoFit/>
+              </a:bodyPr>
+              <a:lstStyle>
+                <a:lvl1pPr algn="l" defTabSz="821531">
+                  <a:defRPr sz="2400" b="0">
+                    <a:solidFill>
+                      <a:srgbClr val="FFFFFF"/>
+                    </a:solidFill>
+                    <a:latin typeface="Helvetica Neue Bold Condensed"/>
+                    <a:ea typeface="Helvetica Neue Bold Condensed"/>
+                    <a:cs typeface="Helvetica Neue Bold Condensed"/>
+                    <a:sym typeface="Helvetica Neue Bold Condensed"/>
+                  </a:defRPr>
+                </a:lvl1pPr>
+              </a:lstStyle>
+              <a:p>
+                <a:r>
+                  <a:rPr kumimoji="0" lang="zh-TW" altLang="en-US" sz="1200" b="0" i="0" u="none" strike="noStrike" cap="none" spc="0" normalizeH="0" baseline="0" dirty="0">
+                    <a:ln>
+                      <a:noFill/>
+                    </a:ln>
+                    <a:solidFill>
+                      <a:schemeClr val="tx1">
+                        <a:alpha val="15000"/>
+                      </a:schemeClr>
+                    </a:solidFill>
+                    <a:effectLst/>
+                    <a:uFillTx/>
+                    <a:latin typeface="Helvetica Neue Bold Condensed"/>
+                    <a:ea typeface="Helvetica Neue Bold Condensed"/>
+                    <a:cs typeface="Helvetica Neue Bold Condensed"/>
+                    <a:sym typeface="Helvetica Neue Bold Condensed"/>
+                  </a:rPr>
+                  <a:t>第</a:t>
+                </a:r>
+                <a:r>
+                  <a:rPr kumimoji="0" lang="en-US" altLang="zh-TW" sz="1200" b="0" i="0" u="none" strike="noStrike" cap="none" spc="0" normalizeH="0" baseline="0" dirty="0">
+                    <a:ln>
+                      <a:noFill/>
+                    </a:ln>
+                    <a:solidFill>
+                      <a:schemeClr val="tx1">
+                        <a:alpha val="15000"/>
+                      </a:schemeClr>
+                    </a:solidFill>
+                    <a:effectLst/>
+                    <a:uFillTx/>
+                    <a:latin typeface="Helvetica Neue Bold Condensed"/>
+                    <a:ea typeface="Helvetica Neue Bold Condensed"/>
+                    <a:cs typeface="Helvetica Neue Bold Condensed"/>
+                    <a:sym typeface="Helvetica Neue Bold Condensed"/>
+                  </a:rPr>
+                  <a:t>13</a:t>
+                </a:r>
+                <a:r>
+                  <a:rPr kumimoji="0" lang="zh-TW" altLang="en-US" sz="1200" b="0" i="0" u="none" strike="noStrike" cap="none" spc="0" normalizeH="0" baseline="0" dirty="0">
+                    <a:ln>
+                      <a:noFill/>
+                    </a:ln>
+                    <a:solidFill>
+                      <a:schemeClr val="tx1">
+                        <a:alpha val="15000"/>
+                      </a:schemeClr>
+                    </a:solidFill>
+                    <a:effectLst/>
+                    <a:uFillTx/>
+                    <a:latin typeface="Helvetica Neue Bold Condensed"/>
+                    <a:ea typeface="Helvetica Neue Bold Condensed"/>
+                    <a:cs typeface="Helvetica Neue Bold Condensed"/>
+                    <a:sym typeface="Helvetica Neue Bold Condensed"/>
+                  </a:rPr>
+                  <a:t>屆 </a:t>
+                </a:r>
+                <a:r>
+                  <a:rPr kumimoji="0" lang="en-US" sz="1600" b="0" i="0" u="none" strike="noStrike" cap="none" spc="0" normalizeH="0" baseline="0" dirty="0">
+                    <a:ln>
+                      <a:noFill/>
+                    </a:ln>
+                    <a:solidFill>
+                      <a:schemeClr val="tx1">
+                        <a:alpha val="15000"/>
+                      </a:schemeClr>
+                    </a:solidFill>
+                    <a:effectLst/>
+                    <a:uFillTx/>
+                    <a:latin typeface="Helvetica Neue Bold Condensed"/>
+                    <a:ea typeface="Helvetica Neue Bold Condensed"/>
+                    <a:cs typeface="Helvetica Neue Bold Condensed"/>
+                    <a:sym typeface="Helvetica Neue Bold Condensed"/>
+                  </a:rPr>
+                  <a:t>iT</a:t>
+                </a:r>
+                <a:r>
+                  <a:rPr kumimoji="0" lang="zh-TW" altLang="en-US" sz="1400" b="0" i="0" u="none" strike="noStrike" cap="none" spc="0" normalizeH="0" baseline="0" dirty="0">
+                    <a:ln>
+                      <a:noFill/>
+                    </a:ln>
+                    <a:solidFill>
+                      <a:schemeClr val="tx1">
+                        <a:alpha val="15000"/>
+                      </a:schemeClr>
+                    </a:solidFill>
+                    <a:effectLst/>
+                    <a:uFillTx/>
+                    <a:latin typeface="Helvetica Neue Bold Condensed"/>
+                    <a:ea typeface="Helvetica Neue Bold Condensed"/>
+                    <a:cs typeface="Helvetica Neue Bold Condensed"/>
+                    <a:sym typeface="Helvetica Neue Bold Condensed"/>
+                  </a:rPr>
+                  <a:t>邦</a:t>
+                </a:r>
+                <a:r>
+                  <a:rPr kumimoji="0" lang="zh-TW" altLang="en-US" sz="1100" b="0" i="0" u="none" strike="noStrike" cap="none" spc="0" normalizeH="0" baseline="0" dirty="0">
+                    <a:ln>
+                      <a:noFill/>
+                    </a:ln>
+                    <a:solidFill>
+                      <a:schemeClr val="tx1">
+                        <a:alpha val="15000"/>
+                      </a:schemeClr>
+                    </a:solidFill>
+                    <a:effectLst/>
+                    <a:uFillTx/>
+                    <a:latin typeface="Helvetica Neue Bold Condensed"/>
+                    <a:ea typeface="Helvetica Neue Bold Condensed"/>
+                    <a:cs typeface="Helvetica Neue Bold Condensed"/>
+                    <a:sym typeface="Helvetica Neue Bold Condensed"/>
+                  </a:rPr>
+                  <a:t>幫忙</a:t>
+                </a:r>
+                <a:r>
+                  <a:rPr kumimoji="0" lang="zh-TW" altLang="en-US" sz="1400" b="0" i="0" u="none" strike="noStrike" cap="none" spc="0" normalizeH="0" baseline="0" dirty="0">
+                    <a:ln>
+                      <a:noFill/>
+                    </a:ln>
+                    <a:solidFill>
+                      <a:schemeClr val="tx1">
+                        <a:alpha val="15000"/>
+                      </a:schemeClr>
+                    </a:solidFill>
+                    <a:effectLst/>
+                    <a:uFillTx/>
+                    <a:sym typeface="Helvetica Neue Bold Condensed"/>
+                  </a:rPr>
+                  <a:t> 鐵人賽</a:t>
+                </a:r>
+                <a:endParaRPr sz="1400" dirty="0">
+                  <a:solidFill>
+                    <a:schemeClr val="tx1">
+                      <a:alpha val="15000"/>
+                    </a:schemeClr>
+                  </a:solidFill>
+                </a:endParaRPr>
+              </a:p>
+            </p:txBody>
+          </p:sp>
+          <p:sp>
+            <p:nvSpPr>
+              <p:cNvPr id="29" name="Intelligent Information Retrieval Laboratory">
+                <a:extLst>
+                  <a:ext uri="{FF2B5EF4-FFF2-40B4-BE49-F238E27FC236}">
+                    <a16:creationId xmlns:a16="http://schemas.microsoft.com/office/drawing/2014/main" id="{8A925DE8-6E5C-4244-B411-911162496365}"/>
+                  </a:ext>
+                </a:extLst>
+              </p:cNvPr>
+              <p:cNvSpPr txBox="1"/>
+              <p:nvPr/>
+            </p:nvSpPr>
+            <p:spPr>
+              <a:xfrm>
+                <a:off x="8753784" y="4345689"/>
+                <a:ext cx="1219200" cy="200752"/>
+              </a:xfrm>
+              <a:prstGeom prst="rect">
+                <a:avLst/>
+              </a:prstGeom>
+              <a:noFill/>
+              <a:ln w="12700" cap="flat">
+                <a:noFill/>
+                <a:miter lim="400000"/>
+              </a:ln>
+              <a:effectLst/>
+              <a:extLst>
+                <a:ext uri="{C572A759-6A51-4108-AA02-DFA0A04FC94B}">
+                  <ma14:wrappingTextBoxFlag xmlns="" xmlns:m="http://schemas.openxmlformats.org/officeDocument/2006/math" xmlns:a14="http://schemas.microsoft.com/office/drawing/2010/main" xmlns:ma14="http://schemas.microsoft.com/office/mac/drawingml/2011/main" val="1"/>
+                </a:ext>
+              </a:extLst>
+            </p:spPr>
+            <p:txBody>
+              <a:bodyPr wrap="square" lIns="71437" tIns="71437" rIns="71437" bIns="71437" numCol="1" anchor="ctr">
+                <a:spAutoFit/>
+              </a:bodyPr>
+              <a:lstStyle>
+                <a:lvl1pPr algn="l" defTabSz="821531">
+                  <a:defRPr sz="2400" b="0">
+                    <a:solidFill>
+                      <a:srgbClr val="FFFFFF"/>
+                    </a:solidFill>
+                    <a:latin typeface="Helvetica Neue Bold Condensed"/>
+                    <a:ea typeface="Helvetica Neue Bold Condensed"/>
+                    <a:cs typeface="Helvetica Neue Bold Condensed"/>
+                    <a:sym typeface="Helvetica Neue Bold Condensed"/>
+                  </a:defRPr>
+                </a:lvl1pPr>
+              </a:lstStyle>
+              <a:p>
+                <a:r>
+                  <a:rPr kumimoji="0" lang="en-US" altLang="zh-TW" sz="1200" b="0" i="0" u="none" strike="noStrike" cap="none" spc="0" normalizeH="0" baseline="0" dirty="0">
+                    <a:ln>
+                      <a:noFill/>
+                    </a:ln>
+                    <a:solidFill>
+                      <a:schemeClr val="tx1">
+                        <a:alpha val="15000"/>
+                      </a:schemeClr>
+                    </a:solidFill>
+                    <a:effectLst/>
+                    <a:uFillTx/>
+                    <a:latin typeface="Helvetica Neue Bold Condensed"/>
+                    <a:ea typeface="Helvetica Neue Bold Condensed"/>
+                    <a:cs typeface="Helvetica Neue Bold Condensed"/>
+                    <a:sym typeface="Helvetica Neue Bold Condensed"/>
+                  </a:rPr>
+                  <a:t>AI &amp; Data </a:t>
+                </a:r>
+                <a:r>
+                  <a:rPr kumimoji="0" lang="zh-TW" altLang="en-US" sz="1200" b="0" i="0" u="none" strike="noStrike" cap="none" spc="0" normalizeH="0" baseline="0" dirty="0">
+                    <a:ln>
+                      <a:noFill/>
+                    </a:ln>
+                    <a:solidFill>
+                      <a:schemeClr val="tx1">
+                        <a:alpha val="15000"/>
+                      </a:schemeClr>
+                    </a:solidFill>
+                    <a:effectLst/>
+                    <a:uFillTx/>
+                    <a:latin typeface="Helvetica Neue Bold Condensed"/>
+                    <a:ea typeface="Helvetica Neue Bold Condensed"/>
+                    <a:cs typeface="Helvetica Neue Bold Condensed"/>
+                    <a:sym typeface="Helvetica Neue Bold Condensed"/>
+                  </a:rPr>
+                  <a:t>組</a:t>
+                </a:r>
+                <a:endParaRPr sz="1400" dirty="0">
+                  <a:solidFill>
+                    <a:schemeClr val="tx1">
+                      <a:alpha val="15000"/>
+                    </a:schemeClr>
+                  </a:solidFill>
+                </a:endParaRPr>
+              </a:p>
+            </p:txBody>
+          </p:sp>
+        </p:grpSp>
+        <p:grpSp>
+          <p:nvGrpSpPr>
+            <p:cNvPr id="24" name="Group 23">
+              <a:extLst>
+                <a:ext uri="{FF2B5EF4-FFF2-40B4-BE49-F238E27FC236}">
+                  <a16:creationId xmlns:a16="http://schemas.microsoft.com/office/drawing/2014/main" id="{D9EA7FDE-9BD7-E248-84A1-762D721D51B4}"/>
+                </a:ext>
+              </a:extLst>
+            </p:cNvPr>
+            <p:cNvGrpSpPr/>
+            <p:nvPr/>
+          </p:nvGrpSpPr>
+          <p:grpSpPr>
+            <a:xfrm>
+              <a:off x="7247835" y="3971848"/>
+              <a:ext cx="1876735" cy="1050587"/>
+              <a:chOff x="3891792" y="3940042"/>
+              <a:chExt cx="1876735" cy="1050587"/>
+            </a:xfrm>
+          </p:grpSpPr>
+          <p:pic>
+            <p:nvPicPr>
+              <p:cNvPr id="25" name="Picture 24">
+                <a:extLst>
+                  <a:ext uri="{FF2B5EF4-FFF2-40B4-BE49-F238E27FC236}">
+                    <a16:creationId xmlns:a16="http://schemas.microsoft.com/office/drawing/2014/main" id="{69D48610-91DC-FB49-B63C-ACC45B14902D}"/>
+                  </a:ext>
+                </a:extLst>
+              </p:cNvPr>
+              <p:cNvPicPr>
+                <a:picLocks noChangeAspect="1" noChangeArrowheads="1"/>
+              </p:cNvPicPr>
+              <p:nvPr/>
+            </p:nvPicPr>
+            <p:blipFill>
+              <a:blip r:embed="rId6">
+                <a:duotone>
+                  <a:prstClr val="black"/>
+                  <a:schemeClr val="tx1">
+                    <a:tint val="45000"/>
+                    <a:satMod val="400000"/>
+                  </a:schemeClr>
+                </a:duotone>
+                <a:alphaModFix amt="20000"/>
+              </a:blip>
+              <a:srcRect/>
+              <a:stretch/>
+            </p:blipFill>
+            <p:spPr bwMode="auto">
+              <a:xfrm>
+                <a:off x="4489805" y="3940042"/>
+                <a:ext cx="1050587" cy="1050587"/>
+              </a:xfrm>
+              <a:prstGeom prst="rect">
+                <a:avLst/>
+              </a:prstGeom>
+              <a:noFill/>
+              <a:extLst>
+                <a:ext uri="{909E8E84-426E-40DD-AFC4-6F175D3DCCD1}">
+                  <a14:hiddenFill xmlns:a14="http://schemas.microsoft.com/office/drawing/2010/main">
+                    <a:solidFill>
+                      <a:srgbClr val="FFFFFF"/>
+                    </a:solidFill>
+                  </a14:hiddenFill>
+                </a:ext>
+              </a:extLst>
+            </p:spPr>
+          </p:pic>
+          <p:pic>
+            <p:nvPicPr>
+              <p:cNvPr id="26" name="Picture 4" descr="Youtube logo | Logok">
+                <a:extLst>
+                  <a:ext uri="{FF2B5EF4-FFF2-40B4-BE49-F238E27FC236}">
+                    <a16:creationId xmlns:a16="http://schemas.microsoft.com/office/drawing/2014/main" id="{55D1A360-2300-1245-968E-D97BA9BA188F}"/>
+                  </a:ext>
+                </a:extLst>
+              </p:cNvPr>
+              <p:cNvPicPr>
+                <a:picLocks noChangeAspect="1" noChangeArrowheads="1"/>
+              </p:cNvPicPr>
+              <p:nvPr/>
+            </p:nvPicPr>
+            <p:blipFill>
+              <a:blip r:embed="rId7">
+                <a:alphaModFix amt="20000"/>
+                <a:extLst>
+                  <a:ext uri="{28A0092B-C50C-407E-A947-70E740481C1C}">
+                    <a14:useLocalDpi xmlns:a14="http://schemas.microsoft.com/office/drawing/2010/main" val="0"/>
+                  </a:ext>
+                </a:extLst>
+              </a:blip>
+              <a:srcRect/>
+              <a:stretch>
+                <a:fillRect/>
+              </a:stretch>
+            </p:blipFill>
+            <p:spPr bwMode="auto">
+              <a:xfrm>
+                <a:off x="3891792" y="4187926"/>
+                <a:ext cx="739756" cy="554817"/>
+              </a:xfrm>
+              <a:prstGeom prst="rect">
+                <a:avLst/>
+              </a:prstGeom>
+              <a:noFill/>
+              <a:extLst>
+                <a:ext uri="{909E8E84-426E-40DD-AFC4-6F175D3DCCD1}">
+                  <a14:hiddenFill xmlns:a14="http://schemas.microsoft.com/office/drawing/2010/main">
+                    <a:solidFill>
+                      <a:srgbClr val="FFFFFF"/>
+                    </a:solidFill>
+                  </a14:hiddenFill>
+                </a:ext>
+              </a:extLst>
+            </p:spPr>
+          </p:pic>
+          <p:sp>
+            <p:nvSpPr>
+              <p:cNvPr id="27" name="Intelligent Information Retrieval Laboratory">
+                <a:extLst>
+                  <a:ext uri="{FF2B5EF4-FFF2-40B4-BE49-F238E27FC236}">
+                    <a16:creationId xmlns:a16="http://schemas.microsoft.com/office/drawing/2014/main" id="{B1C86753-6360-254F-9A53-521C000D2299}"/>
+                  </a:ext>
+                </a:extLst>
+              </p:cNvPr>
+              <p:cNvSpPr txBox="1"/>
+              <p:nvPr/>
+            </p:nvSpPr>
+            <p:spPr>
+              <a:xfrm>
+                <a:off x="4549327" y="4353909"/>
+                <a:ext cx="1219200" cy="238320"/>
+              </a:xfrm>
+              <a:prstGeom prst="rect">
+                <a:avLst/>
+              </a:prstGeom>
+              <a:noFill/>
+              <a:ln w="12700" cap="flat">
+                <a:noFill/>
+                <a:miter lim="400000"/>
+              </a:ln>
+              <a:effectLst/>
+              <a:extLst>
+                <a:ext uri="{C572A759-6A51-4108-AA02-DFA0A04FC94B}">
+                  <ma14:wrappingTextBoxFlag xmlns="" xmlns:m="http://schemas.openxmlformats.org/officeDocument/2006/math" xmlns:a14="http://schemas.microsoft.com/office/drawing/2010/main" xmlns:ma14="http://schemas.microsoft.com/office/mac/drawingml/2011/main" val="1"/>
+                </a:ext>
+              </a:extLst>
+            </p:spPr>
+            <p:txBody>
+              <a:bodyPr wrap="square" lIns="71437" tIns="71437" rIns="71437" bIns="71437" numCol="1" anchor="ctr">
+                <a:spAutoFit/>
+              </a:bodyPr>
+              <a:lstStyle>
+                <a:lvl1pPr algn="l" defTabSz="821531">
+                  <a:defRPr sz="2400" b="0">
+                    <a:solidFill>
+                      <a:srgbClr val="FFFFFF"/>
+                    </a:solidFill>
+                    <a:latin typeface="Helvetica Neue Bold Condensed"/>
+                    <a:ea typeface="Helvetica Neue Bold Condensed"/>
+                    <a:cs typeface="Helvetica Neue Bold Condensed"/>
+                    <a:sym typeface="Helvetica Neue Bold Condensed"/>
+                  </a:defRPr>
+                </a:lvl1pPr>
+              </a:lstStyle>
+              <a:p>
+                <a:r>
+                  <a:rPr kumimoji="0" lang="en-US" altLang="zh-TW" sz="1600" b="0" i="0" u="none" strike="noStrike" cap="none" spc="0" normalizeH="0" baseline="0" dirty="0">
+                    <a:ln>
+                      <a:noFill/>
+                    </a:ln>
+                    <a:solidFill>
+                      <a:schemeClr val="tx1">
+                        <a:alpha val="15000"/>
+                      </a:schemeClr>
+                    </a:solidFill>
+                    <a:effectLst/>
+                    <a:uFillTx/>
+                    <a:sym typeface="Helvetica Neue Bold Condensed"/>
+                  </a:rPr>
+                  <a:t>10</a:t>
+                </a:r>
+                <a:r>
+                  <a:rPr kumimoji="0" lang="zh-TW" altLang="en-US" sz="1600" b="0" i="0" u="none" strike="noStrike" cap="none" spc="0" normalizeH="0" baseline="0" dirty="0">
+                    <a:ln>
+                      <a:noFill/>
+                    </a:ln>
+                    <a:solidFill>
+                      <a:schemeClr val="tx1">
+                        <a:alpha val="15000"/>
+                      </a:schemeClr>
+                    </a:solidFill>
+                    <a:effectLst/>
+                    <a:uFillTx/>
+                    <a:sym typeface="Helvetica Neue Bold Condensed"/>
+                  </a:rPr>
+                  <a:t>程式中</a:t>
+                </a:r>
+                <a:endParaRPr sz="1800" dirty="0">
+                  <a:solidFill>
+                    <a:schemeClr val="tx1">
+                      <a:alpha val="15000"/>
+                    </a:schemeClr>
+                  </a:solidFill>
+                </a:endParaRPr>
+              </a:p>
+            </p:txBody>
+          </p:sp>
+        </p:grpSp>
+      </p:grpSp>
+    </p:spTree>
+    <p:extLst>
+      <p:ext uri="{BB962C8B-B14F-4D97-AF65-F5344CB8AC3E}">
+        <p14:creationId xmlns:p14="http://schemas.microsoft.com/office/powerpoint/2010/main" val="808538259"/>
       </p:ext>
     </p:extLst>
   </p:cSld>
@@ -14838,10 +17548,628 @@
           </a:prstGeom>
         </p:spPr>
       </p:pic>
+      <p:grpSp>
+        <p:nvGrpSpPr>
+          <p:cNvPr id="9" name="Group 8">
+            <a:extLst>
+              <a:ext uri="{FF2B5EF4-FFF2-40B4-BE49-F238E27FC236}">
+                <a16:creationId xmlns:a16="http://schemas.microsoft.com/office/drawing/2014/main" id="{283F3DD9-2946-F742-9EDB-F66DDDFE3851}"/>
+              </a:ext>
+            </a:extLst>
+          </p:cNvPr>
+          <p:cNvGrpSpPr>
+            <a:grpSpLocks noChangeAspect="1"/>
+          </p:cNvGrpSpPr>
+          <p:nvPr/>
+        </p:nvGrpSpPr>
+        <p:grpSpPr>
+          <a:xfrm>
+            <a:off x="1553369" y="4788013"/>
+            <a:ext cx="9445134" cy="1721404"/>
+            <a:chOff x="3360126" y="3971848"/>
+            <a:chExt cx="5764444" cy="1050587"/>
+          </a:xfrm>
+        </p:grpSpPr>
+        <p:grpSp>
+          <p:nvGrpSpPr>
+            <p:cNvPr id="13" name="Group 12">
+              <a:extLst>
+                <a:ext uri="{FF2B5EF4-FFF2-40B4-BE49-F238E27FC236}">
+                  <a16:creationId xmlns:a16="http://schemas.microsoft.com/office/drawing/2014/main" id="{DE4370BD-91C7-8E4F-8896-9962559B7CB0}"/>
+                </a:ext>
+              </a:extLst>
+            </p:cNvPr>
+            <p:cNvGrpSpPr/>
+            <p:nvPr/>
+          </p:nvGrpSpPr>
+          <p:grpSpPr>
+            <a:xfrm>
+              <a:off x="3360126" y="4370288"/>
+              <a:ext cx="2735874" cy="238320"/>
+              <a:chOff x="7237110" y="4319211"/>
+              <a:chExt cx="2735874" cy="238320"/>
+            </a:xfrm>
+          </p:grpSpPr>
+          <p:sp>
+            <p:nvSpPr>
+              <p:cNvPr id="20" name="Intelligent Information Retrieval Laboratory">
+                <a:extLst>
+                  <a:ext uri="{FF2B5EF4-FFF2-40B4-BE49-F238E27FC236}">
+                    <a16:creationId xmlns:a16="http://schemas.microsoft.com/office/drawing/2014/main" id="{8D880315-E556-1142-B3A7-A9D2782EE135}"/>
+                  </a:ext>
+                </a:extLst>
+              </p:cNvPr>
+              <p:cNvSpPr txBox="1"/>
+              <p:nvPr/>
+            </p:nvSpPr>
+            <p:spPr>
+              <a:xfrm>
+                <a:off x="7237110" y="4319211"/>
+                <a:ext cx="2590800" cy="238320"/>
+              </a:xfrm>
+              <a:prstGeom prst="rect">
+                <a:avLst/>
+              </a:prstGeom>
+              <a:noFill/>
+              <a:ln w="12700" cap="flat">
+                <a:noFill/>
+                <a:miter lim="400000"/>
+              </a:ln>
+              <a:effectLst/>
+              <a:extLst>
+                <a:ext uri="{C572A759-6A51-4108-AA02-DFA0A04FC94B}">
+                  <ma14:wrappingTextBoxFlag xmlns="" xmlns:m="http://schemas.openxmlformats.org/officeDocument/2006/math" xmlns:a14="http://schemas.microsoft.com/office/drawing/2010/main" xmlns:ma14="http://schemas.microsoft.com/office/mac/drawingml/2011/main" val="1"/>
+                </a:ext>
+              </a:extLst>
+            </p:spPr>
+            <p:txBody>
+              <a:bodyPr wrap="square" lIns="71437" tIns="71437" rIns="71437" bIns="71437" numCol="1" anchor="ctr">
+                <a:spAutoFit/>
+              </a:bodyPr>
+              <a:lstStyle>
+                <a:lvl1pPr algn="l" defTabSz="821531">
+                  <a:defRPr sz="2400" b="0">
+                    <a:solidFill>
+                      <a:srgbClr val="FFFFFF"/>
+                    </a:solidFill>
+                    <a:latin typeface="Helvetica Neue Bold Condensed"/>
+                    <a:ea typeface="Helvetica Neue Bold Condensed"/>
+                    <a:cs typeface="Helvetica Neue Bold Condensed"/>
+                    <a:sym typeface="Helvetica Neue Bold Condensed"/>
+                  </a:defRPr>
+                </a:lvl1pPr>
+              </a:lstStyle>
+              <a:p>
+                <a:r>
+                  <a:rPr kumimoji="0" lang="zh-TW" altLang="en-US" sz="1200" b="0" i="0" u="none" strike="noStrike" cap="none" spc="0" normalizeH="0" baseline="0" dirty="0">
+                    <a:ln>
+                      <a:noFill/>
+                    </a:ln>
+                    <a:solidFill>
+                      <a:schemeClr val="tx1">
+                        <a:alpha val="15000"/>
+                      </a:schemeClr>
+                    </a:solidFill>
+                    <a:effectLst/>
+                    <a:uFillTx/>
+                    <a:latin typeface="Helvetica Neue Bold Condensed"/>
+                    <a:ea typeface="Helvetica Neue Bold Condensed"/>
+                    <a:cs typeface="Helvetica Neue Bold Condensed"/>
+                    <a:sym typeface="Helvetica Neue Bold Condensed"/>
+                  </a:rPr>
+                  <a:t>第</a:t>
+                </a:r>
+                <a:r>
+                  <a:rPr kumimoji="0" lang="en-US" altLang="zh-TW" sz="1200" b="0" i="0" u="none" strike="noStrike" cap="none" spc="0" normalizeH="0" baseline="0" dirty="0">
+                    <a:ln>
+                      <a:noFill/>
+                    </a:ln>
+                    <a:solidFill>
+                      <a:schemeClr val="tx1">
+                        <a:alpha val="15000"/>
+                      </a:schemeClr>
+                    </a:solidFill>
+                    <a:effectLst/>
+                    <a:uFillTx/>
+                    <a:latin typeface="Helvetica Neue Bold Condensed"/>
+                    <a:ea typeface="Helvetica Neue Bold Condensed"/>
+                    <a:cs typeface="Helvetica Neue Bold Condensed"/>
+                    <a:sym typeface="Helvetica Neue Bold Condensed"/>
+                  </a:rPr>
+                  <a:t>13</a:t>
+                </a:r>
+                <a:r>
+                  <a:rPr kumimoji="0" lang="zh-TW" altLang="en-US" sz="1200" b="0" i="0" u="none" strike="noStrike" cap="none" spc="0" normalizeH="0" baseline="0" dirty="0">
+                    <a:ln>
+                      <a:noFill/>
+                    </a:ln>
+                    <a:solidFill>
+                      <a:schemeClr val="tx1">
+                        <a:alpha val="15000"/>
+                      </a:schemeClr>
+                    </a:solidFill>
+                    <a:effectLst/>
+                    <a:uFillTx/>
+                    <a:latin typeface="Helvetica Neue Bold Condensed"/>
+                    <a:ea typeface="Helvetica Neue Bold Condensed"/>
+                    <a:cs typeface="Helvetica Neue Bold Condensed"/>
+                    <a:sym typeface="Helvetica Neue Bold Condensed"/>
+                  </a:rPr>
+                  <a:t>屆 </a:t>
+                </a:r>
+                <a:r>
+                  <a:rPr kumimoji="0" lang="en-US" sz="1600" b="0" i="0" u="none" strike="noStrike" cap="none" spc="0" normalizeH="0" baseline="0" dirty="0">
+                    <a:ln>
+                      <a:noFill/>
+                    </a:ln>
+                    <a:solidFill>
+                      <a:schemeClr val="tx1">
+                        <a:alpha val="15000"/>
+                      </a:schemeClr>
+                    </a:solidFill>
+                    <a:effectLst/>
+                    <a:uFillTx/>
+                    <a:latin typeface="Helvetica Neue Bold Condensed"/>
+                    <a:ea typeface="Helvetica Neue Bold Condensed"/>
+                    <a:cs typeface="Helvetica Neue Bold Condensed"/>
+                    <a:sym typeface="Helvetica Neue Bold Condensed"/>
+                  </a:rPr>
+                  <a:t>iT</a:t>
+                </a:r>
+                <a:r>
+                  <a:rPr kumimoji="0" lang="zh-TW" altLang="en-US" sz="1400" b="0" i="0" u="none" strike="noStrike" cap="none" spc="0" normalizeH="0" baseline="0" dirty="0">
+                    <a:ln>
+                      <a:noFill/>
+                    </a:ln>
+                    <a:solidFill>
+                      <a:schemeClr val="tx1">
+                        <a:alpha val="15000"/>
+                      </a:schemeClr>
+                    </a:solidFill>
+                    <a:effectLst/>
+                    <a:uFillTx/>
+                    <a:latin typeface="Helvetica Neue Bold Condensed"/>
+                    <a:ea typeface="Helvetica Neue Bold Condensed"/>
+                    <a:cs typeface="Helvetica Neue Bold Condensed"/>
+                    <a:sym typeface="Helvetica Neue Bold Condensed"/>
+                  </a:rPr>
+                  <a:t>邦</a:t>
+                </a:r>
+                <a:r>
+                  <a:rPr kumimoji="0" lang="zh-TW" altLang="en-US" sz="1100" b="0" i="0" u="none" strike="noStrike" cap="none" spc="0" normalizeH="0" baseline="0" dirty="0">
+                    <a:ln>
+                      <a:noFill/>
+                    </a:ln>
+                    <a:solidFill>
+                      <a:schemeClr val="tx1">
+                        <a:alpha val="15000"/>
+                      </a:schemeClr>
+                    </a:solidFill>
+                    <a:effectLst/>
+                    <a:uFillTx/>
+                    <a:latin typeface="Helvetica Neue Bold Condensed"/>
+                    <a:ea typeface="Helvetica Neue Bold Condensed"/>
+                    <a:cs typeface="Helvetica Neue Bold Condensed"/>
+                    <a:sym typeface="Helvetica Neue Bold Condensed"/>
+                  </a:rPr>
+                  <a:t>幫忙</a:t>
+                </a:r>
+                <a:r>
+                  <a:rPr kumimoji="0" lang="zh-TW" altLang="en-US" sz="1400" b="0" i="0" u="none" strike="noStrike" cap="none" spc="0" normalizeH="0" baseline="0" dirty="0">
+                    <a:ln>
+                      <a:noFill/>
+                    </a:ln>
+                    <a:solidFill>
+                      <a:schemeClr val="tx1">
+                        <a:alpha val="15000"/>
+                      </a:schemeClr>
+                    </a:solidFill>
+                    <a:effectLst/>
+                    <a:uFillTx/>
+                    <a:sym typeface="Helvetica Neue Bold Condensed"/>
+                  </a:rPr>
+                  <a:t> 鐵人賽</a:t>
+                </a:r>
+                <a:endParaRPr sz="1400" dirty="0">
+                  <a:solidFill>
+                    <a:schemeClr val="tx1">
+                      <a:alpha val="15000"/>
+                    </a:schemeClr>
+                  </a:solidFill>
+                </a:endParaRPr>
+              </a:p>
+            </p:txBody>
+          </p:sp>
+          <p:sp>
+            <p:nvSpPr>
+              <p:cNvPr id="21" name="Intelligent Information Retrieval Laboratory">
+                <a:extLst>
+                  <a:ext uri="{FF2B5EF4-FFF2-40B4-BE49-F238E27FC236}">
+                    <a16:creationId xmlns:a16="http://schemas.microsoft.com/office/drawing/2014/main" id="{BC94C3AC-B9C3-6448-8018-F91AACD4C144}"/>
+                  </a:ext>
+                </a:extLst>
+              </p:cNvPr>
+              <p:cNvSpPr txBox="1"/>
+              <p:nvPr/>
+            </p:nvSpPr>
+            <p:spPr>
+              <a:xfrm>
+                <a:off x="8753784" y="4345689"/>
+                <a:ext cx="1219200" cy="200752"/>
+              </a:xfrm>
+              <a:prstGeom prst="rect">
+                <a:avLst/>
+              </a:prstGeom>
+              <a:noFill/>
+              <a:ln w="12700" cap="flat">
+                <a:noFill/>
+                <a:miter lim="400000"/>
+              </a:ln>
+              <a:effectLst/>
+              <a:extLst>
+                <a:ext uri="{C572A759-6A51-4108-AA02-DFA0A04FC94B}">
+                  <ma14:wrappingTextBoxFlag xmlns="" xmlns:m="http://schemas.openxmlformats.org/officeDocument/2006/math" xmlns:a14="http://schemas.microsoft.com/office/drawing/2010/main" xmlns:ma14="http://schemas.microsoft.com/office/mac/drawingml/2011/main" val="1"/>
+                </a:ext>
+              </a:extLst>
+            </p:spPr>
+            <p:txBody>
+              <a:bodyPr wrap="square" lIns="71437" tIns="71437" rIns="71437" bIns="71437" numCol="1" anchor="ctr">
+                <a:spAutoFit/>
+              </a:bodyPr>
+              <a:lstStyle>
+                <a:lvl1pPr algn="l" defTabSz="821531">
+                  <a:defRPr sz="2400" b="0">
+                    <a:solidFill>
+                      <a:srgbClr val="FFFFFF"/>
+                    </a:solidFill>
+                    <a:latin typeface="Helvetica Neue Bold Condensed"/>
+                    <a:ea typeface="Helvetica Neue Bold Condensed"/>
+                    <a:cs typeface="Helvetica Neue Bold Condensed"/>
+                    <a:sym typeface="Helvetica Neue Bold Condensed"/>
+                  </a:defRPr>
+                </a:lvl1pPr>
+              </a:lstStyle>
+              <a:p>
+                <a:r>
+                  <a:rPr kumimoji="0" lang="en-US" altLang="zh-TW" sz="1200" b="0" i="0" u="none" strike="noStrike" cap="none" spc="0" normalizeH="0" baseline="0" dirty="0">
+                    <a:ln>
+                      <a:noFill/>
+                    </a:ln>
+                    <a:solidFill>
+                      <a:schemeClr val="tx1">
+                        <a:alpha val="15000"/>
+                      </a:schemeClr>
+                    </a:solidFill>
+                    <a:effectLst/>
+                    <a:uFillTx/>
+                    <a:latin typeface="Helvetica Neue Bold Condensed"/>
+                    <a:ea typeface="Helvetica Neue Bold Condensed"/>
+                    <a:cs typeface="Helvetica Neue Bold Condensed"/>
+                    <a:sym typeface="Helvetica Neue Bold Condensed"/>
+                  </a:rPr>
+                  <a:t>AI &amp; Data </a:t>
+                </a:r>
+                <a:r>
+                  <a:rPr kumimoji="0" lang="zh-TW" altLang="en-US" sz="1200" b="0" i="0" u="none" strike="noStrike" cap="none" spc="0" normalizeH="0" baseline="0" dirty="0">
+                    <a:ln>
+                      <a:noFill/>
+                    </a:ln>
+                    <a:solidFill>
+                      <a:schemeClr val="tx1">
+                        <a:alpha val="15000"/>
+                      </a:schemeClr>
+                    </a:solidFill>
+                    <a:effectLst/>
+                    <a:uFillTx/>
+                    <a:latin typeface="Helvetica Neue Bold Condensed"/>
+                    <a:ea typeface="Helvetica Neue Bold Condensed"/>
+                    <a:cs typeface="Helvetica Neue Bold Condensed"/>
+                    <a:sym typeface="Helvetica Neue Bold Condensed"/>
+                  </a:rPr>
+                  <a:t>組</a:t>
+                </a:r>
+                <a:endParaRPr sz="1400" dirty="0">
+                  <a:solidFill>
+                    <a:schemeClr val="tx1">
+                      <a:alpha val="15000"/>
+                    </a:schemeClr>
+                  </a:solidFill>
+                </a:endParaRPr>
+              </a:p>
+            </p:txBody>
+          </p:sp>
+        </p:grpSp>
+        <p:grpSp>
+          <p:nvGrpSpPr>
+            <p:cNvPr id="14" name="Group 13">
+              <a:extLst>
+                <a:ext uri="{FF2B5EF4-FFF2-40B4-BE49-F238E27FC236}">
+                  <a16:creationId xmlns:a16="http://schemas.microsoft.com/office/drawing/2014/main" id="{5711477C-02F2-7046-8619-30AB4974A568}"/>
+                </a:ext>
+              </a:extLst>
+            </p:cNvPr>
+            <p:cNvGrpSpPr/>
+            <p:nvPr/>
+          </p:nvGrpSpPr>
+          <p:grpSpPr>
+            <a:xfrm>
+              <a:off x="7247835" y="3971848"/>
+              <a:ext cx="1876735" cy="1050587"/>
+              <a:chOff x="3891792" y="3940042"/>
+              <a:chExt cx="1876735" cy="1050587"/>
+            </a:xfrm>
+          </p:grpSpPr>
+          <p:pic>
+            <p:nvPicPr>
+              <p:cNvPr id="16" name="Picture 15">
+                <a:extLst>
+                  <a:ext uri="{FF2B5EF4-FFF2-40B4-BE49-F238E27FC236}">
+                    <a16:creationId xmlns:a16="http://schemas.microsoft.com/office/drawing/2014/main" id="{1ADB8988-1856-8646-95F5-C67BD9361F37}"/>
+                  </a:ext>
+                </a:extLst>
+              </p:cNvPr>
+              <p:cNvPicPr>
+                <a:picLocks noChangeAspect="1" noChangeArrowheads="1"/>
+              </p:cNvPicPr>
+              <p:nvPr/>
+            </p:nvPicPr>
+            <p:blipFill>
+              <a:blip r:embed="rId5">
+                <a:duotone>
+                  <a:prstClr val="black"/>
+                  <a:schemeClr val="tx1">
+                    <a:tint val="45000"/>
+                    <a:satMod val="400000"/>
+                  </a:schemeClr>
+                </a:duotone>
+                <a:alphaModFix amt="20000"/>
+              </a:blip>
+              <a:srcRect/>
+              <a:stretch/>
+            </p:blipFill>
+            <p:spPr bwMode="auto">
+              <a:xfrm>
+                <a:off x="4489805" y="3940042"/>
+                <a:ext cx="1050587" cy="1050587"/>
+              </a:xfrm>
+              <a:prstGeom prst="rect">
+                <a:avLst/>
+              </a:prstGeom>
+              <a:noFill/>
+              <a:extLst>
+                <a:ext uri="{909E8E84-426E-40DD-AFC4-6F175D3DCCD1}">
+                  <a14:hiddenFill xmlns:a14="http://schemas.microsoft.com/office/drawing/2010/main">
+                    <a:solidFill>
+                      <a:srgbClr val="FFFFFF"/>
+                    </a:solidFill>
+                  </a14:hiddenFill>
+                </a:ext>
+              </a:extLst>
+            </p:spPr>
+          </p:pic>
+          <p:pic>
+            <p:nvPicPr>
+              <p:cNvPr id="18" name="Picture 4" descr="Youtube logo | Logok">
+                <a:extLst>
+                  <a:ext uri="{FF2B5EF4-FFF2-40B4-BE49-F238E27FC236}">
+                    <a16:creationId xmlns:a16="http://schemas.microsoft.com/office/drawing/2014/main" id="{3F971895-8D92-DA46-B522-6C8FF5F44130}"/>
+                  </a:ext>
+                </a:extLst>
+              </p:cNvPr>
+              <p:cNvPicPr>
+                <a:picLocks noChangeAspect="1" noChangeArrowheads="1"/>
+              </p:cNvPicPr>
+              <p:nvPr/>
+            </p:nvPicPr>
+            <p:blipFill>
+              <a:blip r:embed="rId6">
+                <a:alphaModFix amt="20000"/>
+                <a:extLst>
+                  <a:ext uri="{28A0092B-C50C-407E-A947-70E740481C1C}">
+                    <a14:useLocalDpi xmlns:a14="http://schemas.microsoft.com/office/drawing/2010/main" val="0"/>
+                  </a:ext>
+                </a:extLst>
+              </a:blip>
+              <a:srcRect/>
+              <a:stretch>
+                <a:fillRect/>
+              </a:stretch>
+            </p:blipFill>
+            <p:spPr bwMode="auto">
+              <a:xfrm>
+                <a:off x="3891792" y="4187926"/>
+                <a:ext cx="739756" cy="554817"/>
+              </a:xfrm>
+              <a:prstGeom prst="rect">
+                <a:avLst/>
+              </a:prstGeom>
+              <a:noFill/>
+              <a:extLst>
+                <a:ext uri="{909E8E84-426E-40DD-AFC4-6F175D3DCCD1}">
+                  <a14:hiddenFill xmlns:a14="http://schemas.microsoft.com/office/drawing/2010/main">
+                    <a:solidFill>
+                      <a:srgbClr val="FFFFFF"/>
+                    </a:solidFill>
+                  </a14:hiddenFill>
+                </a:ext>
+              </a:extLst>
+            </p:spPr>
+          </p:pic>
+          <p:sp>
+            <p:nvSpPr>
+              <p:cNvPr id="19" name="Intelligent Information Retrieval Laboratory">
+                <a:extLst>
+                  <a:ext uri="{FF2B5EF4-FFF2-40B4-BE49-F238E27FC236}">
+                    <a16:creationId xmlns:a16="http://schemas.microsoft.com/office/drawing/2014/main" id="{6A443DE4-31D1-B746-BA04-B499D380E2D9}"/>
+                  </a:ext>
+                </a:extLst>
+              </p:cNvPr>
+              <p:cNvSpPr txBox="1"/>
+              <p:nvPr/>
+            </p:nvSpPr>
+            <p:spPr>
+              <a:xfrm>
+                <a:off x="4549327" y="4353909"/>
+                <a:ext cx="1219200" cy="238320"/>
+              </a:xfrm>
+              <a:prstGeom prst="rect">
+                <a:avLst/>
+              </a:prstGeom>
+              <a:noFill/>
+              <a:ln w="12700" cap="flat">
+                <a:noFill/>
+                <a:miter lim="400000"/>
+              </a:ln>
+              <a:effectLst/>
+              <a:extLst>
+                <a:ext uri="{C572A759-6A51-4108-AA02-DFA0A04FC94B}">
+                  <ma14:wrappingTextBoxFlag xmlns="" xmlns:m="http://schemas.openxmlformats.org/officeDocument/2006/math" xmlns:a14="http://schemas.microsoft.com/office/drawing/2010/main" xmlns:ma14="http://schemas.microsoft.com/office/mac/drawingml/2011/main" val="1"/>
+                </a:ext>
+              </a:extLst>
+            </p:spPr>
+            <p:txBody>
+              <a:bodyPr wrap="square" lIns="71437" tIns="71437" rIns="71437" bIns="71437" numCol="1" anchor="ctr">
+                <a:spAutoFit/>
+              </a:bodyPr>
+              <a:lstStyle>
+                <a:lvl1pPr algn="l" defTabSz="821531">
+                  <a:defRPr sz="2400" b="0">
+                    <a:solidFill>
+                      <a:srgbClr val="FFFFFF"/>
+                    </a:solidFill>
+                    <a:latin typeface="Helvetica Neue Bold Condensed"/>
+                    <a:ea typeface="Helvetica Neue Bold Condensed"/>
+                    <a:cs typeface="Helvetica Neue Bold Condensed"/>
+                    <a:sym typeface="Helvetica Neue Bold Condensed"/>
+                  </a:defRPr>
+                </a:lvl1pPr>
+              </a:lstStyle>
+              <a:p>
+                <a:r>
+                  <a:rPr kumimoji="0" lang="en-US" altLang="zh-TW" sz="1600" b="0" i="0" u="none" strike="noStrike" cap="none" spc="0" normalizeH="0" baseline="0" dirty="0">
+                    <a:ln>
+                      <a:noFill/>
+                    </a:ln>
+                    <a:solidFill>
+                      <a:schemeClr val="tx1">
+                        <a:alpha val="15000"/>
+                      </a:schemeClr>
+                    </a:solidFill>
+                    <a:effectLst/>
+                    <a:uFillTx/>
+                    <a:sym typeface="Helvetica Neue Bold Condensed"/>
+                  </a:rPr>
+                  <a:t>10</a:t>
+                </a:r>
+                <a:r>
+                  <a:rPr kumimoji="0" lang="zh-TW" altLang="en-US" sz="1600" b="0" i="0" u="none" strike="noStrike" cap="none" spc="0" normalizeH="0" baseline="0" dirty="0">
+                    <a:ln>
+                      <a:noFill/>
+                    </a:ln>
+                    <a:solidFill>
+                      <a:schemeClr val="tx1">
+                        <a:alpha val="15000"/>
+                      </a:schemeClr>
+                    </a:solidFill>
+                    <a:effectLst/>
+                    <a:uFillTx/>
+                    <a:sym typeface="Helvetica Neue Bold Condensed"/>
+                  </a:rPr>
+                  <a:t>程式中</a:t>
+                </a:r>
+                <a:endParaRPr sz="1800" dirty="0">
+                  <a:solidFill>
+                    <a:schemeClr val="tx1">
+                      <a:alpha val="15000"/>
+                    </a:schemeClr>
+                  </a:solidFill>
+                </a:endParaRPr>
+              </a:p>
+            </p:txBody>
+          </p:sp>
+        </p:grpSp>
+      </p:grpSp>
     </p:spTree>
     <p:extLst>
       <p:ext uri="{BB962C8B-B14F-4D97-AF65-F5344CB8AC3E}">
         <p14:creationId xmlns:p14="http://schemas.microsoft.com/office/powerpoint/2010/main" val="4056402015"/>
+      </p:ext>
+    </p:extLst>
+  </p:cSld>
+  <p:clrMapOvr>
+    <a:masterClrMapping/>
+  </p:clrMapOvr>
+</p:sld>
+</file>
+
+<file path=ppt/slides/slide7.xml><?xml version="1.0" encoding="utf-8"?>
+<p:sld xmlns:a="http://schemas.openxmlformats.org/drawingml/2006/main" xmlns:r="http://schemas.openxmlformats.org/officeDocument/2006/relationships" xmlns:p="http://schemas.openxmlformats.org/presentationml/2006/main">
+  <p:cSld>
+    <p:spTree>
+      <p:nvGrpSpPr>
+        <p:cNvPr id="1" name=""/>
+        <p:cNvGrpSpPr/>
+        <p:nvPr/>
+      </p:nvGrpSpPr>
+      <p:grpSpPr>
+        <a:xfrm>
+          <a:off x="0" y="0"/>
+          <a:ext cx="0" cy="0"/>
+          <a:chOff x="0" y="0"/>
+          <a:chExt cx="0" cy="0"/>
+        </a:xfrm>
+      </p:grpSpPr>
+      <p:pic>
+        <p:nvPicPr>
+          <p:cNvPr id="1026" name="Picture 2">
+            <a:extLst>
+              <a:ext uri="{FF2B5EF4-FFF2-40B4-BE49-F238E27FC236}">
+                <a16:creationId xmlns:a16="http://schemas.microsoft.com/office/drawing/2014/main" id="{E1FD9572-2642-CF48-B1B8-A5FD66C48551}"/>
+              </a:ext>
+            </a:extLst>
+          </p:cNvPr>
+          <p:cNvPicPr>
+            <a:picLocks noChangeAspect="1" noChangeArrowheads="1"/>
+          </p:cNvPicPr>
+          <p:nvPr/>
+        </p:nvPicPr>
+        <p:blipFill>
+          <a:blip r:embed="rId2">
+            <a:extLst>
+              <a:ext uri="{28A0092B-C50C-407E-A947-70E740481C1C}">
+                <a14:useLocalDpi xmlns:a14="http://schemas.microsoft.com/office/drawing/2010/main" val="0"/>
+              </a:ext>
+            </a:extLst>
+          </a:blip>
+          <a:srcRect/>
+          <a:stretch>
+            <a:fillRect/>
+          </a:stretch>
+        </p:blipFill>
+        <p:spPr bwMode="auto">
+          <a:xfrm>
+            <a:off x="1473200" y="1574800"/>
+            <a:ext cx="9245600" cy="3708400"/>
+          </a:xfrm>
+          <a:prstGeom prst="rect">
+            <a:avLst/>
+          </a:prstGeom>
+          <a:noFill/>
+          <a:extLst>
+            <a:ext uri="{909E8E84-426E-40DD-AFC4-6F175D3DCCD1}">
+              <a14:hiddenFill xmlns:a14="http://schemas.microsoft.com/office/drawing/2010/main">
+                <a:solidFill>
+                  <a:srgbClr val="FFFFFF"/>
+                </a:solidFill>
+              </a14:hiddenFill>
+            </a:ext>
+          </a:extLst>
+        </p:spPr>
+      </p:pic>
+    </p:spTree>
+    <p:extLst>
+      <p:ext uri="{BB962C8B-B14F-4D97-AF65-F5344CB8AC3E}">
+        <p14:creationId xmlns:p14="http://schemas.microsoft.com/office/powerpoint/2010/main" val="1899899184"/>
       </p:ext>
     </p:extLst>
   </p:cSld>
